--- a/docs/presentation_introduction_proejct.pptx
+++ b/docs/presentation_introduction_proejct.pptx
@@ -4307,7 +4307,7 @@
             <a:fld id="{12B7AC1A-AE76-4681-95BC-4CE7CA1EE5BF}" type="datetimeFigureOut">
               <a:rPr lang="de-CH" smtClean="0"/>
               <a:pPr/>
-              <a:t>07.03.2023</a:t>
+              <a:t>10.03.2023</a:t>
             </a:fld>
             <a:endParaRPr lang="de-CH"/>
           </a:p>
@@ -7423,7 +7423,7 @@
             <a:fld id="{8964A89B-F9D0-4B8B-9E13-75101EC3F755}" type="datetime4">
               <a:rPr lang="de-CH" smtClean="0"/>
               <a:pPr/>
-              <a:t>7. März 2023</a:t>
+              <a:t>10. März 2023</a:t>
             </a:fld>
             <a:endParaRPr lang="de-CH" dirty="0"/>
           </a:p>
@@ -8279,12 +8279,8 @@
           <a:p>
             <a:pPr lvl="1"/>
             <a:r>
-              <a:rPr lang="de-CH" dirty="0"/>
-              <a:t>The </a:t>
-            </a:r>
-            <a:r>
               <a:rPr lang="de-CH" dirty="0" err="1"/>
-              <a:t>influence</a:t>
+              <a:t>Influence</a:t>
             </a:r>
             <a:r>
               <a:rPr lang="de-CH" dirty="0"/>
@@ -8296,11 +8292,11 @@
             </a:r>
             <a:r>
               <a:rPr lang="de-CH" dirty="0"/>
-              <a:t> social </a:t>
+              <a:t> </a:t>
             </a:r>
             <a:r>
               <a:rPr lang="de-CH" dirty="0" err="1"/>
-              <a:t>networks</a:t>
+              <a:t>popularity</a:t>
             </a:r>
             <a:r>
               <a:rPr lang="de-CH" dirty="0"/>
@@ -8308,15 +8304,7 @@
             </a:r>
             <a:r>
               <a:rPr lang="de-CH" dirty="0" err="1"/>
-              <a:t>sleep</a:t>
-            </a:r>
-            <a:r>
-              <a:rPr lang="de-CH" dirty="0"/>
-              <a:t> </a:t>
-            </a:r>
-            <a:r>
-              <a:rPr lang="de-CH" dirty="0" err="1"/>
-              <a:t>quality</a:t>
+              <a:t>sales</a:t>
             </a:r>
             <a:endParaRPr lang="de-CH" dirty="0"/>
           </a:p>
@@ -8339,7 +8327,11 @@
             <a:pPr lvl="3"/>
             <a:r>
               <a:rPr lang="sv-SE" dirty="0"/>
-              <a:t>de LUIGI Matilde / CARONI Sophie / CAZZATO Emmanuel / NATER Quentin</a:t>
+              <a:t>CARONI Sophie / CAZZATO Emmanuel / NATER Quentin / </a:t>
+            </a:r>
+            <a:r>
+              <a:rPr lang="sv-SE" strike="sngStrike" baseline="30000" dirty="0"/>
+              <a:t>De LUIGI Matilde </a:t>
             </a:r>
             <a:endParaRPr lang="de-CH" dirty="0"/>
           </a:p>
@@ -8678,7 +8670,7 @@
                   <a:schemeClr val="bg1"/>
                 </a:solidFill>
               </a:rPr>
-              <a:t>Find pattern on users about the relationship between social networks </a:t>
+              <a:t>Find the most popular products by connecting them to their similar ones.</a:t>
             </a:r>
           </a:p>
           <a:p>
@@ -8687,14 +8679,11 @@
                 <a:spcPts val="2700"/>
               </a:lnSpc>
             </a:pPr>
-            <a:r>
-              <a:rPr lang="en-GB" sz="2000" dirty="0">
-                <a:solidFill>
-                  <a:schemeClr val="bg1"/>
-                </a:solidFill>
-              </a:rPr>
-              <a:t>usage and sleep quality</a:t>
-            </a:r>
+            <a:endParaRPr lang="en-GB" sz="2000" dirty="0">
+              <a:solidFill>
+                <a:schemeClr val="bg1"/>
+              </a:solidFill>
+            </a:endParaRPr>
           </a:p>
           <a:p>
             <a:pPr>
@@ -8702,7 +8691,15 @@
                 <a:spcPts val="2700"/>
               </a:lnSpc>
             </a:pPr>
-            <a:endParaRPr lang="fr-CH" sz="2000" b="1" dirty="0">
+            <a:r>
+              <a:rPr lang="en-GB" sz="2000" dirty="0">
+                <a:solidFill>
+                  <a:schemeClr val="bg1"/>
+                </a:solidFill>
+              </a:rPr>
+              <a:t>Compare with sales and/or reviews</a:t>
+            </a:r>
+            <a:endParaRPr lang="fr-CH" sz="2000" dirty="0">
               <a:solidFill>
                 <a:schemeClr val="bg1"/>
               </a:solidFill>
@@ -8712,10 +8709,10 @@
       </p:sp>
       <p:pic>
         <p:nvPicPr>
-          <p:cNvPr id="14" name="Picture 4">
+          <p:cNvPr id="3" name="Picture 2" descr="Amazon logo (png symbol icon) orange">
             <a:extLst>
               <a:ext uri="{FF2B5EF4-FFF2-40B4-BE49-F238E27FC236}">
-                <a16:creationId xmlns:a16="http://schemas.microsoft.com/office/drawing/2014/main" id="{B34F305C-B5E4-726B-9C6D-BE9DE6CC58E2}"/>
+                <a16:creationId xmlns:a16="http://schemas.microsoft.com/office/drawing/2014/main" id="{7CB8D8D6-24C5-C59D-F67B-6F14432C81F1}"/>
               </a:ext>
             </a:extLst>
           </p:cNvPr>
@@ -8739,8 +8736,8 @@
         </p:blipFill>
         <p:spPr bwMode="auto">
           <a:xfrm>
-            <a:off x="323528" y="4525246"/>
-            <a:ext cx="2090936" cy="1400180"/>
+            <a:off x="107504" y="4581128"/>
+            <a:ext cx="1502296" cy="1502296"/>
           </a:xfrm>
           <a:prstGeom prst="rect">
             <a:avLst/>
@@ -8934,12 +8931,12 @@
               <a:buChar char="•"/>
             </a:pPr>
             <a:r>
-              <a:rPr lang="en-GB" sz="2000" dirty="0">
+              <a:rPr lang="en-GB" sz="2000" b="1" dirty="0">
                 <a:solidFill>
                   <a:schemeClr val="bg1"/>
                 </a:solidFill>
               </a:rPr>
-              <a:t>Graph mining</a:t>
+              <a:t>Community detection</a:t>
             </a:r>
           </a:p>
           <a:p>
@@ -8951,7 +8948,7 @@
               <a:buChar char="•"/>
             </a:pPr>
             <a:r>
-              <a:rPr lang="en-GB" sz="2000" b="1" dirty="0">
+              <a:rPr lang="en-GB" sz="2000" dirty="0">
                 <a:solidFill>
                   <a:schemeClr val="bg1"/>
                 </a:solidFill>
@@ -8968,7 +8965,7 @@
               <a:buChar char="•"/>
             </a:pPr>
             <a:r>
-              <a:rPr lang="en-GB" sz="2000" b="1" dirty="0">
+              <a:rPr lang="en-GB" sz="2000" dirty="0">
                 <a:solidFill>
                   <a:schemeClr val="bg1"/>
                 </a:solidFill>
@@ -8985,7 +8982,7 @@
               <a:buChar char="•"/>
             </a:pPr>
             <a:r>
-              <a:rPr lang="en-GB" sz="2000" b="1" dirty="0">
+              <a:rPr lang="en-GB" sz="2000" dirty="0">
                 <a:solidFill>
                   <a:schemeClr val="bg1"/>
                 </a:solidFill>
@@ -9002,14 +8999,14 @@
               <a:buChar char="•"/>
             </a:pPr>
             <a:r>
-              <a:rPr lang="en-GB" sz="2000" b="1" dirty="0">
+              <a:rPr lang="en-GB" sz="2000" dirty="0">
                 <a:solidFill>
                   <a:schemeClr val="bg1"/>
                 </a:solidFill>
               </a:rPr>
               <a:t>Data enrichment</a:t>
             </a:r>
-            <a:endParaRPr lang="fr-CH" sz="2000" b="1" dirty="0">
+            <a:endParaRPr lang="fr-CH" sz="2000" dirty="0">
               <a:solidFill>
                 <a:schemeClr val="bg1"/>
               </a:solidFill>
@@ -9019,10 +9016,10 @@
       </p:sp>
       <p:pic>
         <p:nvPicPr>
-          <p:cNvPr id="3" name="Picture 4">
+          <p:cNvPr id="4" name="Picture 3" descr="Amazon logo (png symbol icon) orange">
             <a:extLst>
               <a:ext uri="{FF2B5EF4-FFF2-40B4-BE49-F238E27FC236}">
-                <a16:creationId xmlns:a16="http://schemas.microsoft.com/office/drawing/2014/main" id="{2F8D99EA-9F48-70F1-148B-A1D1EA4F1A67}"/>
+                <a16:creationId xmlns:a16="http://schemas.microsoft.com/office/drawing/2014/main" id="{93205CE4-21FB-ABED-0104-755E863C738F}"/>
               </a:ext>
             </a:extLst>
           </p:cNvPr>
@@ -9046,8 +9043,8 @@
         </p:blipFill>
         <p:spPr bwMode="auto">
           <a:xfrm>
-            <a:off x="323528" y="4525246"/>
-            <a:ext cx="2090936" cy="1400180"/>
+            <a:off x="107504" y="4581128"/>
+            <a:ext cx="1502296" cy="1502296"/>
           </a:xfrm>
           <a:prstGeom prst="rect">
             <a:avLst/>
@@ -9209,7 +9206,7 @@
                   <a:schemeClr val="bg1"/>
                 </a:solidFill>
               </a:rPr>
-              <a:t>Node : User action</a:t>
+              <a:t>Node : Products</a:t>
             </a:r>
           </a:p>
           <a:p>
@@ -9224,7 +9221,7 @@
                   <a:schemeClr val="bg1"/>
                 </a:solidFill>
               </a:rPr>
-              <a:t>Edge : Relationship</a:t>
+              <a:t>Edge : Similar products list</a:t>
             </a:r>
             <a:endParaRPr lang="fr-CH" sz="2000" b="1" dirty="0">
               <a:solidFill>
@@ -9236,10 +9233,10 @@
       </p:sp>
       <p:pic>
         <p:nvPicPr>
-          <p:cNvPr id="3" name="Picture 4">
+          <p:cNvPr id="4" name="Picture 3" descr="Amazon logo (png symbol icon) orange">
             <a:extLst>
               <a:ext uri="{FF2B5EF4-FFF2-40B4-BE49-F238E27FC236}">
-                <a16:creationId xmlns:a16="http://schemas.microsoft.com/office/drawing/2014/main" id="{8CEC1A9A-66BF-AD98-9C95-BE0F14BE97D1}"/>
+                <a16:creationId xmlns:a16="http://schemas.microsoft.com/office/drawing/2014/main" id="{63605357-D841-638E-8AAA-113412588428}"/>
               </a:ext>
             </a:extLst>
           </p:cNvPr>
@@ -9263,8 +9260,8 @@
         </p:blipFill>
         <p:spPr bwMode="auto">
           <a:xfrm>
-            <a:off x="323528" y="4525246"/>
-            <a:ext cx="2090936" cy="1400180"/>
+            <a:off x="107504" y="4581128"/>
+            <a:ext cx="1502296" cy="1502296"/>
           </a:xfrm>
           <a:prstGeom prst="rect">
             <a:avLst/>
@@ -9442,7 +9439,7 @@
                   <a:schemeClr val="bg1"/>
                 </a:solidFill>
               </a:rPr>
-              <a:t>Graph mining on the behaviour of the user and sleep</a:t>
+              <a:t>Community detection of the most central products.</a:t>
             </a:r>
             <a:endParaRPr lang="fr-CH" sz="2000" b="1" dirty="0">
               <a:solidFill>
@@ -9454,10 +9451,10 @@
       </p:sp>
       <p:pic>
         <p:nvPicPr>
-          <p:cNvPr id="5" name="Picture 4">
+          <p:cNvPr id="3" name="Picture 2" descr="Amazon logo (png symbol icon) orange">
             <a:extLst>
               <a:ext uri="{FF2B5EF4-FFF2-40B4-BE49-F238E27FC236}">
-                <a16:creationId xmlns:a16="http://schemas.microsoft.com/office/drawing/2014/main" id="{B16755C3-B878-0E11-9397-E6F9EE02CD42}"/>
+                <a16:creationId xmlns:a16="http://schemas.microsoft.com/office/drawing/2014/main" id="{6A0A1E57-902A-C7B2-B2F1-AC4BD3DAB4DF}"/>
               </a:ext>
             </a:extLst>
           </p:cNvPr>
@@ -9481,8 +9478,8 @@
         </p:blipFill>
         <p:spPr bwMode="auto">
           <a:xfrm>
-            <a:off x="323528" y="4525246"/>
-            <a:ext cx="2090936" cy="1400180"/>
+            <a:off x="107504" y="4581128"/>
+            <a:ext cx="1502296" cy="1502296"/>
           </a:xfrm>
           <a:prstGeom prst="rect">
             <a:avLst/>
@@ -9646,10 +9643,10 @@
       </p:pic>
       <p:pic>
         <p:nvPicPr>
-          <p:cNvPr id="3" name="Picture 4">
+          <p:cNvPr id="4" name="Picture 3" descr="Amazon logo (png symbol icon) orange">
             <a:extLst>
               <a:ext uri="{FF2B5EF4-FFF2-40B4-BE49-F238E27FC236}">
-                <a16:creationId xmlns:a16="http://schemas.microsoft.com/office/drawing/2014/main" id="{081E0A9C-3AE0-22F2-5475-97085984AC61}"/>
+                <a16:creationId xmlns:a16="http://schemas.microsoft.com/office/drawing/2014/main" id="{D18160C1-CBF9-BE70-7ABB-6EA324D39A5B}"/>
               </a:ext>
             </a:extLst>
           </p:cNvPr>
@@ -9673,8 +9670,8 @@
         </p:blipFill>
         <p:spPr bwMode="auto">
           <a:xfrm>
-            <a:off x="323528" y="4525246"/>
-            <a:ext cx="2090936" cy="1400180"/>
+            <a:off x="107504" y="4581128"/>
+            <a:ext cx="1502296" cy="1502296"/>
           </a:xfrm>
           <a:prstGeom prst="rect">
             <a:avLst/>

--- a/docs/presentation_introduction_proejct.pptx
+++ b/docs/presentation_introduction_proejct.pptx
@@ -5,16 +5,22 @@
     <p:sldMasterId id="2147483763" r:id="rId1"/>
   </p:sldMasterIdLst>
   <p:notesMasterIdLst>
-    <p:notesMasterId r:id="rId9"/>
+    <p:notesMasterId r:id="rId12"/>
   </p:notesMasterIdLst>
+  <p:handoutMasterIdLst>
+    <p:handoutMasterId r:id="rId13"/>
+  </p:handoutMasterIdLst>
   <p:sldIdLst>
     <p:sldId id="256" r:id="rId2"/>
     <p:sldId id="257" r:id="rId3"/>
-    <p:sldId id="272" r:id="rId4"/>
-    <p:sldId id="289" r:id="rId5"/>
-    <p:sldId id="290" r:id="rId6"/>
-    <p:sldId id="291" r:id="rId7"/>
-    <p:sldId id="292" r:id="rId8"/>
+    <p:sldId id="293" r:id="rId4"/>
+    <p:sldId id="294" r:id="rId5"/>
+    <p:sldId id="295" r:id="rId6"/>
+    <p:sldId id="272" r:id="rId7"/>
+    <p:sldId id="289" r:id="rId8"/>
+    <p:sldId id="290" r:id="rId9"/>
+    <p:sldId id="291" r:id="rId10"/>
+    <p:sldId id="292" r:id="rId11"/>
   </p:sldIdLst>
   <p:sldSz cx="9144000" cy="6858000" type="screen4x3"/>
   <p:notesSz cx="6858000" cy="9144000"/>
@@ -1075,7 +1081,7 @@
         <a:p>
           <a:r>
             <a:rPr lang="en-US" dirty="0"/>
-            <a:t>Main idea</a:t>
+            <a:t>Dataset</a:t>
           </a:r>
         </a:p>
       </dgm:t>
@@ -1211,6 +1217,46 @@
         </a:p>
       </dgm:t>
     </dgm:pt>
+    <dgm:pt modelId="{9B6684EB-3E1D-4400-823C-ECB3C49EA60E}">
+      <dgm:prSet/>
+      <dgm:spPr/>
+      <dgm:t>
+        <a:bodyPr/>
+        <a:lstStyle/>
+        <a:p>
+          <a:r>
+            <a:rPr lang="en-US"/>
+            <a:t>Main </a:t>
+          </a:r>
+          <a:r>
+            <a:rPr lang="en-US" dirty="0"/>
+            <a:t>idea</a:t>
+          </a:r>
+        </a:p>
+      </dgm:t>
+    </dgm:pt>
+    <dgm:pt modelId="{1E14D4BE-2D60-4070-A141-AF372611BE51}" type="parTrans" cxnId="{DA8468A9-CB5D-49F5-AD0D-100E5AC28F35}">
+      <dgm:prSet/>
+      <dgm:spPr/>
+      <dgm:t>
+        <a:bodyPr/>
+        <a:lstStyle/>
+        <a:p>
+          <a:endParaRPr lang="fr-CH"/>
+        </a:p>
+      </dgm:t>
+    </dgm:pt>
+    <dgm:pt modelId="{D88F1554-7F98-4044-BDCD-9002CEE2CCD0}" type="sibTrans" cxnId="{DA8468A9-CB5D-49F5-AD0D-100E5AC28F35}">
+      <dgm:prSet/>
+      <dgm:spPr/>
+      <dgm:t>
+        <a:bodyPr/>
+        <a:lstStyle/>
+        <a:p>
+          <a:endParaRPr lang="fr-CH"/>
+        </a:p>
+      </dgm:t>
+    </dgm:pt>
     <dgm:pt modelId="{D580B9D3-88D7-4E58-9698-49ABBD52716A}" type="pres">
       <dgm:prSet presAssocID="{15FECA9A-6D37-473D-BA91-F378F99F7063}" presName="Name0" presStyleCnt="0">
         <dgm:presLayoutVars>
@@ -1230,7 +1276,7 @@
       <dgm:spPr/>
     </dgm:pt>
     <dgm:pt modelId="{BB651A0F-D886-45E1-AF66-00A685CC77E5}" type="pres">
-      <dgm:prSet presAssocID="{15FECA9A-6D37-473D-BA91-F378F99F7063}" presName="srcNode" presStyleLbl="node1" presStyleIdx="0" presStyleCnt="4"/>
+      <dgm:prSet presAssocID="{15FECA9A-6D37-473D-BA91-F378F99F7063}" presName="srcNode" presStyleLbl="node1" presStyleIdx="0" presStyleCnt="5"/>
       <dgm:spPr/>
     </dgm:pt>
     <dgm:pt modelId="{131BDCC8-73C2-4B94-BAFF-BB7B9460FDC3}" type="pres">
@@ -1238,15 +1284,15 @@
       <dgm:spPr/>
     </dgm:pt>
     <dgm:pt modelId="{EC65F118-30A6-445D-A783-4C7AC6E4A76D}" type="pres">
-      <dgm:prSet presAssocID="{15FECA9A-6D37-473D-BA91-F378F99F7063}" presName="extraNode" presStyleLbl="node1" presStyleIdx="0" presStyleCnt="4"/>
+      <dgm:prSet presAssocID="{15FECA9A-6D37-473D-BA91-F378F99F7063}" presName="extraNode" presStyleLbl="node1" presStyleIdx="0" presStyleCnt="5"/>
       <dgm:spPr/>
     </dgm:pt>
     <dgm:pt modelId="{F19B4F47-F533-4483-B62B-4669513077DD}" type="pres">
-      <dgm:prSet presAssocID="{15FECA9A-6D37-473D-BA91-F378F99F7063}" presName="dstNode" presStyleLbl="node1" presStyleIdx="0" presStyleCnt="4"/>
+      <dgm:prSet presAssocID="{15FECA9A-6D37-473D-BA91-F378F99F7063}" presName="dstNode" presStyleLbl="node1" presStyleIdx="0" presStyleCnt="5"/>
       <dgm:spPr/>
     </dgm:pt>
     <dgm:pt modelId="{6826617A-CD55-49DA-B1A8-7AA14666C44D}" type="pres">
-      <dgm:prSet presAssocID="{4BEC4871-DC51-4E75-9D74-9CA28C0044CC}" presName="text_1" presStyleLbl="node1" presStyleIdx="0" presStyleCnt="4">
+      <dgm:prSet presAssocID="{4BEC4871-DC51-4E75-9D74-9CA28C0044CC}" presName="text_1" presStyleLbl="node1" presStyleIdx="0" presStyleCnt="5">
         <dgm:presLayoutVars>
           <dgm:bulletEnabled val="1"/>
         </dgm:presLayoutVars>
@@ -1258,69 +1304,87 @@
       <dgm:spPr/>
     </dgm:pt>
     <dgm:pt modelId="{4F01BB73-A318-458A-B190-4FEE7C5DC230}" type="pres">
-      <dgm:prSet presAssocID="{4BEC4871-DC51-4E75-9D74-9CA28C0044CC}" presName="accentRepeatNode" presStyleLbl="solidFgAcc1" presStyleIdx="0" presStyleCnt="4"/>
+      <dgm:prSet presAssocID="{4BEC4871-DC51-4E75-9D74-9CA28C0044CC}" presName="accentRepeatNode" presStyleLbl="solidFgAcc1" presStyleIdx="0" presStyleCnt="5"/>
       <dgm:spPr/>
     </dgm:pt>
-    <dgm:pt modelId="{C213FC8F-29F6-467E-B7AA-77F9BDB2944E}" type="pres">
-      <dgm:prSet presAssocID="{1F330E62-9854-45B5-953F-594B15FF7AB4}" presName="text_2" presStyleLbl="node1" presStyleIdx="1" presStyleCnt="4">
+    <dgm:pt modelId="{6C9CEAA8-9771-4FCA-B4A8-DF02E2E4E837}" type="pres">
+      <dgm:prSet presAssocID="{9B6684EB-3E1D-4400-823C-ECB3C49EA60E}" presName="text_2" presStyleLbl="node1" presStyleIdx="1" presStyleCnt="5">
         <dgm:presLayoutVars>
           <dgm:bulletEnabled val="1"/>
         </dgm:presLayoutVars>
       </dgm:prSet>
       <dgm:spPr/>
     </dgm:pt>
-    <dgm:pt modelId="{06D5A10B-156D-4247-8A37-F95DCFA52A4D}" type="pres">
-      <dgm:prSet presAssocID="{1F330E62-9854-45B5-953F-594B15FF7AB4}" presName="accent_2" presStyleCnt="0"/>
+    <dgm:pt modelId="{3E17D144-3B4B-4FF6-9CB9-DD9D1A3427B9}" type="pres">
+      <dgm:prSet presAssocID="{9B6684EB-3E1D-4400-823C-ECB3C49EA60E}" presName="accent_2" presStyleCnt="0"/>
       <dgm:spPr/>
     </dgm:pt>
-    <dgm:pt modelId="{5BAFC8F5-82D2-4F6A-82D7-768CA593B712}" type="pres">
-      <dgm:prSet presAssocID="{1F330E62-9854-45B5-953F-594B15FF7AB4}" presName="accentRepeatNode" presStyleLbl="solidFgAcc1" presStyleIdx="1" presStyleCnt="4"/>
+    <dgm:pt modelId="{8CDDDE89-EFB1-464B-A275-A5036D6D7743}" type="pres">
+      <dgm:prSet presAssocID="{9B6684EB-3E1D-4400-823C-ECB3C49EA60E}" presName="accentRepeatNode" presStyleLbl="solidFgAcc1" presStyleIdx="1" presStyleCnt="5"/>
       <dgm:spPr/>
     </dgm:pt>
-    <dgm:pt modelId="{A9E0EB5F-5840-4ABA-8E1D-AB6593B9C857}" type="pres">
-      <dgm:prSet presAssocID="{5D60F22B-4926-43D1-B2D9-E785E925F5A2}" presName="text_3" presStyleLbl="node1" presStyleIdx="2" presStyleCnt="4">
+    <dgm:pt modelId="{E88E2030-3E51-44C8-84BC-03CFA576F442}" type="pres">
+      <dgm:prSet presAssocID="{1F330E62-9854-45B5-953F-594B15FF7AB4}" presName="text_3" presStyleLbl="node1" presStyleIdx="2" presStyleCnt="5">
         <dgm:presLayoutVars>
           <dgm:bulletEnabled val="1"/>
         </dgm:presLayoutVars>
       </dgm:prSet>
       <dgm:spPr/>
     </dgm:pt>
-    <dgm:pt modelId="{B9EA08B6-AEE0-4BF6-AC21-61B9B9AF5B10}" type="pres">
-      <dgm:prSet presAssocID="{5D60F22B-4926-43D1-B2D9-E785E925F5A2}" presName="accent_3" presStyleCnt="0"/>
+    <dgm:pt modelId="{2070C1C1-BED0-4984-B800-96620D02B098}" type="pres">
+      <dgm:prSet presAssocID="{1F330E62-9854-45B5-953F-594B15FF7AB4}" presName="accent_3" presStyleCnt="0"/>
       <dgm:spPr/>
     </dgm:pt>
-    <dgm:pt modelId="{9266A787-010C-49CD-967B-415B6A6E5BAF}" type="pres">
-      <dgm:prSet presAssocID="{5D60F22B-4926-43D1-B2D9-E785E925F5A2}" presName="accentRepeatNode" presStyleLbl="solidFgAcc1" presStyleIdx="2" presStyleCnt="4"/>
+    <dgm:pt modelId="{5BAFC8F5-82D2-4F6A-82D7-768CA593B712}" type="pres">
+      <dgm:prSet presAssocID="{1F330E62-9854-45B5-953F-594B15FF7AB4}" presName="accentRepeatNode" presStyleLbl="solidFgAcc1" presStyleIdx="2" presStyleCnt="5"/>
       <dgm:spPr/>
     </dgm:pt>
-    <dgm:pt modelId="{EACFB148-853C-46FA-A7BB-AE2CB4C44867}" type="pres">
-      <dgm:prSet presAssocID="{8F5B8243-E0A9-4B5F-89E7-B75C83EDE741}" presName="text_4" presStyleLbl="node1" presStyleIdx="3" presStyleCnt="4">
+    <dgm:pt modelId="{DFA78AAE-DAA8-44BF-B32B-AD3D8CE3A289}" type="pres">
+      <dgm:prSet presAssocID="{5D60F22B-4926-43D1-B2D9-E785E925F5A2}" presName="text_4" presStyleLbl="node1" presStyleIdx="3" presStyleCnt="5">
         <dgm:presLayoutVars>
           <dgm:bulletEnabled val="1"/>
         </dgm:presLayoutVars>
       </dgm:prSet>
       <dgm:spPr/>
     </dgm:pt>
-    <dgm:pt modelId="{C787B0F7-236F-498B-8E86-92497914198A}" type="pres">
-      <dgm:prSet presAssocID="{8F5B8243-E0A9-4B5F-89E7-B75C83EDE741}" presName="accent_4" presStyleCnt="0"/>
+    <dgm:pt modelId="{BBFE2DE4-669D-4E33-BF5D-712FAFE7531C}" type="pres">
+      <dgm:prSet presAssocID="{5D60F22B-4926-43D1-B2D9-E785E925F5A2}" presName="accent_4" presStyleCnt="0"/>
+      <dgm:spPr/>
+    </dgm:pt>
+    <dgm:pt modelId="{9266A787-010C-49CD-967B-415B6A6E5BAF}" type="pres">
+      <dgm:prSet presAssocID="{5D60F22B-4926-43D1-B2D9-E785E925F5A2}" presName="accentRepeatNode" presStyleLbl="solidFgAcc1" presStyleIdx="3" presStyleCnt="5"/>
+      <dgm:spPr/>
+    </dgm:pt>
+    <dgm:pt modelId="{61749620-F288-4942-932B-DBAB21517267}" type="pres">
+      <dgm:prSet presAssocID="{8F5B8243-E0A9-4B5F-89E7-B75C83EDE741}" presName="text_5" presStyleLbl="node1" presStyleIdx="4" presStyleCnt="5">
+        <dgm:presLayoutVars>
+          <dgm:bulletEnabled val="1"/>
+        </dgm:presLayoutVars>
+      </dgm:prSet>
+      <dgm:spPr/>
+    </dgm:pt>
+    <dgm:pt modelId="{2381D326-3641-456C-8F90-58269367F106}" type="pres">
+      <dgm:prSet presAssocID="{8F5B8243-E0A9-4B5F-89E7-B75C83EDE741}" presName="accent_5" presStyleCnt="0"/>
       <dgm:spPr/>
     </dgm:pt>
     <dgm:pt modelId="{B2C66AB1-F88D-4153-B758-2F76B11080D8}" type="pres">
-      <dgm:prSet presAssocID="{8F5B8243-E0A9-4B5F-89E7-B75C83EDE741}" presName="accentRepeatNode" presStyleLbl="solidFgAcc1" presStyleIdx="3" presStyleCnt="4"/>
+      <dgm:prSet presAssocID="{8F5B8243-E0A9-4B5F-89E7-B75C83EDE741}" presName="accentRepeatNode" presStyleLbl="solidFgAcc1" presStyleIdx="4" presStyleCnt="5"/>
       <dgm:spPr/>
     </dgm:pt>
   </dgm:ptLst>
   <dgm:cxnLst>
     <dgm:cxn modelId="{70938F22-4C77-4C63-846B-87B21A8B80AC}" type="presOf" srcId="{4BEC4871-DC51-4E75-9D74-9CA28C0044CC}" destId="{6826617A-CD55-49DA-B1A8-7AA14666C44D}" srcOrd="0" destOrd="0" presId="urn:microsoft.com/office/officeart/2008/layout/VerticalCurvedList"/>
-    <dgm:cxn modelId="{03867B3E-2487-4B22-A6AE-5E158E1D2ED1}" type="presOf" srcId="{8F5B8243-E0A9-4B5F-89E7-B75C83EDE741}" destId="{EACFB148-853C-46FA-A7BB-AE2CB4C44867}" srcOrd="0" destOrd="0" presId="urn:microsoft.com/office/officeart/2008/layout/VerticalCurvedList"/>
-    <dgm:cxn modelId="{CD545872-BDC4-41E8-8D8D-B89CA378C8CF}" srcId="{15FECA9A-6D37-473D-BA91-F378F99F7063}" destId="{5D60F22B-4926-43D1-B2D9-E785E925F5A2}" srcOrd="2" destOrd="0" parTransId="{C5601D28-E7AC-4219-BA88-E1085D808D5D}" sibTransId="{88918CC2-F62B-4116-AF54-BC3E3AA22E31}"/>
+    <dgm:cxn modelId="{D148972B-BF79-473B-A500-2BF35FCA7230}" type="presOf" srcId="{5D60F22B-4926-43D1-B2D9-E785E925F5A2}" destId="{DFA78AAE-DAA8-44BF-B32B-AD3D8CE3A289}" srcOrd="0" destOrd="0" presId="urn:microsoft.com/office/officeart/2008/layout/VerticalCurvedList"/>
+    <dgm:cxn modelId="{C061A035-21A3-43A7-BA14-2EAEA3D91A98}" type="presOf" srcId="{9B6684EB-3E1D-4400-823C-ECB3C49EA60E}" destId="{6C9CEAA8-9771-4FCA-B4A8-DF02E2E4E837}" srcOrd="0" destOrd="0" presId="urn:microsoft.com/office/officeart/2008/layout/VerticalCurvedList"/>
+    <dgm:cxn modelId="{CD545872-BDC4-41E8-8D8D-B89CA378C8CF}" srcId="{15FECA9A-6D37-473D-BA91-F378F99F7063}" destId="{5D60F22B-4926-43D1-B2D9-E785E925F5A2}" srcOrd="3" destOrd="0" parTransId="{C5601D28-E7AC-4219-BA88-E1085D808D5D}" sibTransId="{88918CC2-F62B-4116-AF54-BC3E3AA22E31}"/>
     <dgm:cxn modelId="{C1885F57-B679-401A-9EF0-562D8B6C5E42}" type="presOf" srcId="{9F576327-7475-4BAC-98B6-414682C5AAE6}" destId="{131BDCC8-73C2-4B94-BAFF-BB7B9460FDC3}" srcOrd="0" destOrd="0" presId="urn:microsoft.com/office/officeart/2008/layout/VerticalCurvedList"/>
     <dgm:cxn modelId="{510F245A-FFBE-47AB-B41C-0E5D17B406E0}" type="presOf" srcId="{15FECA9A-6D37-473D-BA91-F378F99F7063}" destId="{D580B9D3-88D7-4E58-9698-49ABBD52716A}" srcOrd="0" destOrd="0" presId="urn:microsoft.com/office/officeart/2008/layout/VerticalCurvedList"/>
-    <dgm:cxn modelId="{413B985A-ECBC-463F-89F0-9409A1FB55F5}" srcId="{15FECA9A-6D37-473D-BA91-F378F99F7063}" destId="{8F5B8243-E0A9-4B5F-89E7-B75C83EDE741}" srcOrd="3" destOrd="0" parTransId="{1B59C197-24FC-4F8D-BE12-5AE3146CF548}" sibTransId="{78B234C3-CA69-4103-ADAE-666B6DB0E62B}"/>
-    <dgm:cxn modelId="{63D3C28D-E81E-4A62-B470-B10EC83EB4EE}" type="presOf" srcId="{1F330E62-9854-45B5-953F-594B15FF7AB4}" destId="{C213FC8F-29F6-467E-B7AA-77F9BDB2944E}" srcOrd="0" destOrd="0" presId="urn:microsoft.com/office/officeart/2008/layout/VerticalCurvedList"/>
-    <dgm:cxn modelId="{46A478A5-4AE5-45CF-A58A-F0AE1B2995FE}" srcId="{15FECA9A-6D37-473D-BA91-F378F99F7063}" destId="{1F330E62-9854-45B5-953F-594B15FF7AB4}" srcOrd="1" destOrd="0" parTransId="{78E13AC6-6DC4-47FC-9C86-1B15E2AEEBF6}" sibTransId="{46996890-7E1E-4611-A540-0F57C69FB936}"/>
+    <dgm:cxn modelId="{413B985A-ECBC-463F-89F0-9409A1FB55F5}" srcId="{15FECA9A-6D37-473D-BA91-F378F99F7063}" destId="{8F5B8243-E0A9-4B5F-89E7-B75C83EDE741}" srcOrd="4" destOrd="0" parTransId="{1B59C197-24FC-4F8D-BE12-5AE3146CF548}" sibTransId="{78B234C3-CA69-4103-ADAE-666B6DB0E62B}"/>
+    <dgm:cxn modelId="{58EF0485-42A2-4C61-B11F-19B5CFCE12A5}" type="presOf" srcId="{8F5B8243-E0A9-4B5F-89E7-B75C83EDE741}" destId="{61749620-F288-4942-932B-DBAB21517267}" srcOrd="0" destOrd="0" presId="urn:microsoft.com/office/officeart/2008/layout/VerticalCurvedList"/>
+    <dgm:cxn modelId="{B9AEDCA1-8946-48C7-85A0-26560D5E3C7B}" type="presOf" srcId="{1F330E62-9854-45B5-953F-594B15FF7AB4}" destId="{E88E2030-3E51-44C8-84BC-03CFA576F442}" srcOrd="0" destOrd="0" presId="urn:microsoft.com/office/officeart/2008/layout/VerticalCurvedList"/>
+    <dgm:cxn modelId="{46A478A5-4AE5-45CF-A58A-F0AE1B2995FE}" srcId="{15FECA9A-6D37-473D-BA91-F378F99F7063}" destId="{1F330E62-9854-45B5-953F-594B15FF7AB4}" srcOrd="2" destOrd="0" parTransId="{78E13AC6-6DC4-47FC-9C86-1B15E2AEEBF6}" sibTransId="{46996890-7E1E-4611-A540-0F57C69FB936}"/>
+    <dgm:cxn modelId="{DA8468A9-CB5D-49F5-AD0D-100E5AC28F35}" srcId="{15FECA9A-6D37-473D-BA91-F378F99F7063}" destId="{9B6684EB-3E1D-4400-823C-ECB3C49EA60E}" srcOrd="1" destOrd="0" parTransId="{1E14D4BE-2D60-4070-A141-AF372611BE51}" sibTransId="{D88F1554-7F98-4044-BDCD-9002CEE2CCD0}"/>
     <dgm:cxn modelId="{9BE51EB7-0A86-4E33-864B-4313ECCE7495}" srcId="{15FECA9A-6D37-473D-BA91-F378F99F7063}" destId="{4BEC4871-DC51-4E75-9D74-9CA28C0044CC}" srcOrd="0" destOrd="0" parTransId="{28934EB2-2B4C-4E47-9D24-0A97D687ED3C}" sibTransId="{9F576327-7475-4BAC-98B6-414682C5AAE6}"/>
-    <dgm:cxn modelId="{1D7ADDC1-19DB-413F-8E60-D750825E8EB6}" type="presOf" srcId="{5D60F22B-4926-43D1-B2D9-E785E925F5A2}" destId="{A9E0EB5F-5840-4ABA-8E1D-AB6593B9C857}" srcOrd="0" destOrd="0" presId="urn:microsoft.com/office/officeart/2008/layout/VerticalCurvedList"/>
     <dgm:cxn modelId="{FF99B581-07F1-4236-A310-BFC99D4B6AC8}" type="presParOf" srcId="{D580B9D3-88D7-4E58-9698-49ABBD52716A}" destId="{BFD4AA1C-5E0A-4106-822D-C15DB7F60B35}" srcOrd="0" destOrd="0" presId="urn:microsoft.com/office/officeart/2008/layout/VerticalCurvedList"/>
     <dgm:cxn modelId="{C1F8DE03-9E84-445E-A5AC-4F2AF1DD067F}" type="presParOf" srcId="{BFD4AA1C-5E0A-4106-822D-C15DB7F60B35}" destId="{8E0688BD-970D-4C5B-ACB3-72D30B19356C}" srcOrd="0" destOrd="0" presId="urn:microsoft.com/office/officeart/2008/layout/VerticalCurvedList"/>
     <dgm:cxn modelId="{26042417-8DB0-4CB8-8055-F4A4A6B99AF7}" type="presParOf" srcId="{8E0688BD-970D-4C5B-ACB3-72D30B19356C}" destId="{BB651A0F-D886-45E1-AF66-00A685CC77E5}" srcOrd="0" destOrd="0" presId="urn:microsoft.com/office/officeart/2008/layout/VerticalCurvedList"/>
@@ -1330,15 +1394,18 @@
     <dgm:cxn modelId="{A098ED44-1633-4D9B-8750-9B4A2F7D49B2}" type="presParOf" srcId="{BFD4AA1C-5E0A-4106-822D-C15DB7F60B35}" destId="{6826617A-CD55-49DA-B1A8-7AA14666C44D}" srcOrd="1" destOrd="0" presId="urn:microsoft.com/office/officeart/2008/layout/VerticalCurvedList"/>
     <dgm:cxn modelId="{22F33A1D-718C-468A-B889-4A8DDB679210}" type="presParOf" srcId="{BFD4AA1C-5E0A-4106-822D-C15DB7F60B35}" destId="{A9CB3F7A-9B21-46D6-BE7A-7874486E2526}" srcOrd="2" destOrd="0" presId="urn:microsoft.com/office/officeart/2008/layout/VerticalCurvedList"/>
     <dgm:cxn modelId="{A20FF3EF-B17E-4CDC-AF9C-F4F4F3E8A7AF}" type="presParOf" srcId="{A9CB3F7A-9B21-46D6-BE7A-7874486E2526}" destId="{4F01BB73-A318-458A-B190-4FEE7C5DC230}" srcOrd="0" destOrd="0" presId="urn:microsoft.com/office/officeart/2008/layout/VerticalCurvedList"/>
-    <dgm:cxn modelId="{758D726D-2384-4A7A-AAD1-B1DCD86955BF}" type="presParOf" srcId="{BFD4AA1C-5E0A-4106-822D-C15DB7F60B35}" destId="{C213FC8F-29F6-467E-B7AA-77F9BDB2944E}" srcOrd="3" destOrd="0" presId="urn:microsoft.com/office/officeart/2008/layout/VerticalCurvedList"/>
-    <dgm:cxn modelId="{33C72812-B92C-4CD0-86B3-5A61C0B7AB2E}" type="presParOf" srcId="{BFD4AA1C-5E0A-4106-822D-C15DB7F60B35}" destId="{06D5A10B-156D-4247-8A37-F95DCFA52A4D}" srcOrd="4" destOrd="0" presId="urn:microsoft.com/office/officeart/2008/layout/VerticalCurvedList"/>
-    <dgm:cxn modelId="{EEC76769-3469-4955-BBA0-AA2A6FE46008}" type="presParOf" srcId="{06D5A10B-156D-4247-8A37-F95DCFA52A4D}" destId="{5BAFC8F5-82D2-4F6A-82D7-768CA593B712}" srcOrd="0" destOrd="0" presId="urn:microsoft.com/office/officeart/2008/layout/VerticalCurvedList"/>
-    <dgm:cxn modelId="{5D80F3F2-2434-4680-9D5B-41AE793F5E9C}" type="presParOf" srcId="{BFD4AA1C-5E0A-4106-822D-C15DB7F60B35}" destId="{A9E0EB5F-5840-4ABA-8E1D-AB6593B9C857}" srcOrd="5" destOrd="0" presId="urn:microsoft.com/office/officeart/2008/layout/VerticalCurvedList"/>
-    <dgm:cxn modelId="{35892890-23BA-4860-93B2-2D4AA035A781}" type="presParOf" srcId="{BFD4AA1C-5E0A-4106-822D-C15DB7F60B35}" destId="{B9EA08B6-AEE0-4BF6-AC21-61B9B9AF5B10}" srcOrd="6" destOrd="0" presId="urn:microsoft.com/office/officeart/2008/layout/VerticalCurvedList"/>
-    <dgm:cxn modelId="{ECFCAFA7-9229-4484-8BC1-07CC44A1BBF0}" type="presParOf" srcId="{B9EA08B6-AEE0-4BF6-AC21-61B9B9AF5B10}" destId="{9266A787-010C-49CD-967B-415B6A6E5BAF}" srcOrd="0" destOrd="0" presId="urn:microsoft.com/office/officeart/2008/layout/VerticalCurvedList"/>
-    <dgm:cxn modelId="{5AFD6D25-FA70-41D2-AE72-2A8E63961415}" type="presParOf" srcId="{BFD4AA1C-5E0A-4106-822D-C15DB7F60B35}" destId="{EACFB148-853C-46FA-A7BB-AE2CB4C44867}" srcOrd="7" destOrd="0" presId="urn:microsoft.com/office/officeart/2008/layout/VerticalCurvedList"/>
-    <dgm:cxn modelId="{6CB511AA-C431-4EA4-980E-908E0DB5F557}" type="presParOf" srcId="{BFD4AA1C-5E0A-4106-822D-C15DB7F60B35}" destId="{C787B0F7-236F-498B-8E86-92497914198A}" srcOrd="8" destOrd="0" presId="urn:microsoft.com/office/officeart/2008/layout/VerticalCurvedList"/>
-    <dgm:cxn modelId="{A0575AC6-EA54-481C-B7F7-B233A8069F00}" type="presParOf" srcId="{C787B0F7-236F-498B-8E86-92497914198A}" destId="{B2C66AB1-F88D-4153-B758-2F76B11080D8}" srcOrd="0" destOrd="0" presId="urn:microsoft.com/office/officeart/2008/layout/VerticalCurvedList"/>
+    <dgm:cxn modelId="{04C21069-99BB-42C6-AA11-1D91CD5498B8}" type="presParOf" srcId="{BFD4AA1C-5E0A-4106-822D-C15DB7F60B35}" destId="{6C9CEAA8-9771-4FCA-B4A8-DF02E2E4E837}" srcOrd="3" destOrd="0" presId="urn:microsoft.com/office/officeart/2008/layout/VerticalCurvedList"/>
+    <dgm:cxn modelId="{D03522EF-412D-44AB-AD8C-BCBCC6A55DD0}" type="presParOf" srcId="{BFD4AA1C-5E0A-4106-822D-C15DB7F60B35}" destId="{3E17D144-3B4B-4FF6-9CB9-DD9D1A3427B9}" srcOrd="4" destOrd="0" presId="urn:microsoft.com/office/officeart/2008/layout/VerticalCurvedList"/>
+    <dgm:cxn modelId="{B02E59A7-DCC8-41A9-B099-A2A36EC49307}" type="presParOf" srcId="{3E17D144-3B4B-4FF6-9CB9-DD9D1A3427B9}" destId="{8CDDDE89-EFB1-464B-A275-A5036D6D7743}" srcOrd="0" destOrd="0" presId="urn:microsoft.com/office/officeart/2008/layout/VerticalCurvedList"/>
+    <dgm:cxn modelId="{A5DC5B5B-9469-4A1B-9739-13F2964DAB8D}" type="presParOf" srcId="{BFD4AA1C-5E0A-4106-822D-C15DB7F60B35}" destId="{E88E2030-3E51-44C8-84BC-03CFA576F442}" srcOrd="5" destOrd="0" presId="urn:microsoft.com/office/officeart/2008/layout/VerticalCurvedList"/>
+    <dgm:cxn modelId="{BDEA78AF-466F-4449-8A28-D345EECCC404}" type="presParOf" srcId="{BFD4AA1C-5E0A-4106-822D-C15DB7F60B35}" destId="{2070C1C1-BED0-4984-B800-96620D02B098}" srcOrd="6" destOrd="0" presId="urn:microsoft.com/office/officeart/2008/layout/VerticalCurvedList"/>
+    <dgm:cxn modelId="{73F02752-D91C-4AB0-8986-F0F1C60AFF10}" type="presParOf" srcId="{2070C1C1-BED0-4984-B800-96620D02B098}" destId="{5BAFC8F5-82D2-4F6A-82D7-768CA593B712}" srcOrd="0" destOrd="0" presId="urn:microsoft.com/office/officeart/2008/layout/VerticalCurvedList"/>
+    <dgm:cxn modelId="{8E806F24-75BF-4C86-AEC1-F7CC52004A3D}" type="presParOf" srcId="{BFD4AA1C-5E0A-4106-822D-C15DB7F60B35}" destId="{DFA78AAE-DAA8-44BF-B32B-AD3D8CE3A289}" srcOrd="7" destOrd="0" presId="urn:microsoft.com/office/officeart/2008/layout/VerticalCurvedList"/>
+    <dgm:cxn modelId="{B9BFB325-1ADC-4267-AA51-FD6BD73C5FF7}" type="presParOf" srcId="{BFD4AA1C-5E0A-4106-822D-C15DB7F60B35}" destId="{BBFE2DE4-669D-4E33-BF5D-712FAFE7531C}" srcOrd="8" destOrd="0" presId="urn:microsoft.com/office/officeart/2008/layout/VerticalCurvedList"/>
+    <dgm:cxn modelId="{A1AB4DF3-EFF5-428B-83E5-69A2E316037E}" type="presParOf" srcId="{BBFE2DE4-669D-4E33-BF5D-712FAFE7531C}" destId="{9266A787-010C-49CD-967B-415B6A6E5BAF}" srcOrd="0" destOrd="0" presId="urn:microsoft.com/office/officeart/2008/layout/VerticalCurvedList"/>
+    <dgm:cxn modelId="{7DD69BAA-F7D6-45D8-9789-1A6C3A9ADDEB}" type="presParOf" srcId="{BFD4AA1C-5E0A-4106-822D-C15DB7F60B35}" destId="{61749620-F288-4942-932B-DBAB21517267}" srcOrd="9" destOrd="0" presId="urn:microsoft.com/office/officeart/2008/layout/VerticalCurvedList"/>
+    <dgm:cxn modelId="{652930FF-1823-4D93-A6BF-D415FEC386A6}" type="presParOf" srcId="{BFD4AA1C-5E0A-4106-822D-C15DB7F60B35}" destId="{2381D326-3641-456C-8F90-58269367F106}" srcOrd="10" destOrd="0" presId="urn:microsoft.com/office/officeart/2008/layout/VerticalCurvedList"/>
+    <dgm:cxn modelId="{EF3937C1-64D3-4561-8A7F-6BB47147CAF7}" type="presParOf" srcId="{2381D326-3641-456C-8F90-58269367F106}" destId="{B2C66AB1-F88D-4153-B758-2F76B11080D8}" srcOrd="0" destOrd="0" presId="urn:microsoft.com/office/officeart/2008/layout/VerticalCurvedList"/>
   </dgm:cxnLst>
   <dgm:bg/>
   <dgm:whole/>
@@ -1410,8 +1477,8 @@
       </dsp:nvSpPr>
       <dsp:spPr>
         <a:xfrm>
-          <a:off x="592512" y="404126"/>
-          <a:ext cx="8259977" cy="808672"/>
+          <a:off x="494740" y="328431"/>
+          <a:ext cx="8357749" cy="657283"/>
         </a:xfrm>
         <a:prstGeom prst="rect">
           <a:avLst/>
@@ -1453,12 +1520,12 @@
         </a:fontRef>
       </dsp:style>
       <dsp:txBody>
-        <a:bodyPr spcFirstLastPara="0" vert="horz" wrap="square" lIns="641884" tIns="111760" rIns="111760" bIns="111760" numCol="1" spcCol="1270" anchor="ctr" anchorCtr="0">
+        <a:bodyPr spcFirstLastPara="0" vert="horz" wrap="square" lIns="521719" tIns="91440" rIns="91440" bIns="91440" numCol="1" spcCol="1270" anchor="ctr" anchorCtr="0">
           <a:noAutofit/>
         </a:bodyPr>
         <a:lstStyle/>
         <a:p>
-          <a:pPr marL="0" lvl="0" indent="0" algn="l" defTabSz="1955800">
+          <a:pPr marL="0" lvl="0" indent="0" algn="l" defTabSz="1600200">
             <a:lnSpc>
               <a:spcPct val="90000"/>
             </a:lnSpc>
@@ -1471,14 +1538,14 @@
             <a:buNone/>
           </a:pPr>
           <a:r>
-            <a:rPr lang="en-US" sz="4400" kern="1200" dirty="0"/>
-            <a:t>Main idea</a:t>
+            <a:rPr lang="en-US" sz="3600" kern="1200" dirty="0"/>
+            <a:t>Dataset</a:t>
           </a:r>
         </a:p>
       </dsp:txBody>
       <dsp:txXfrm>
-        <a:off x="592512" y="404126"/>
-        <a:ext cx="8259977" cy="808672"/>
+        <a:off x="494740" y="328431"/>
+        <a:ext cx="8357749" cy="657283"/>
       </dsp:txXfrm>
     </dsp:sp>
     <dsp:sp modelId="{4F01BB73-A318-458A-B190-4FEE7C5DC230}">
@@ -1488,8 +1555,8 @@
       </dsp:nvSpPr>
       <dsp:spPr>
         <a:xfrm>
-          <a:off x="87092" y="303042"/>
-          <a:ext cx="1010841" cy="1010841"/>
+          <a:off x="83938" y="246270"/>
+          <a:ext cx="821604" cy="821604"/>
         </a:xfrm>
         <a:prstGeom prst="ellipse">
           <a:avLst/>
@@ -1529,15 +1596,15 @@
         <a:fontRef idx="minor"/>
       </dsp:style>
     </dsp:sp>
-    <dsp:sp modelId="{C213FC8F-29F6-467E-B7AA-77F9BDB2944E}">
+    <dsp:sp modelId="{6C9CEAA8-9771-4FCA-B4A8-DF02E2E4E837}">
       <dsp:nvSpPr>
         <dsp:cNvPr id="0" name=""/>
         <dsp:cNvSpPr/>
       </dsp:nvSpPr>
       <dsp:spPr>
         <a:xfrm>
-          <a:off x="1056143" y="1617345"/>
-          <a:ext cx="7796346" cy="808672"/>
+          <a:off x="965730" y="1314040"/>
+          <a:ext cx="7886759" cy="657283"/>
         </a:xfrm>
         <a:prstGeom prst="rect">
           <a:avLst/>
@@ -1545,9 +1612,9 @@
         <a:solidFill>
           <a:schemeClr val="accent2">
             <a:shade val="80000"/>
-            <a:hueOff val="64747"/>
-            <a:satOff val="-3822"/>
-            <a:lumOff val="9522"/>
+            <a:hueOff val="48560"/>
+            <a:satOff val="-2866"/>
+            <a:lumOff val="7141"/>
             <a:alphaOff val="0"/>
           </a:schemeClr>
         </a:solidFill>
@@ -1579,12 +1646,12 @@
         </a:fontRef>
       </dsp:style>
       <dsp:txBody>
-        <a:bodyPr spcFirstLastPara="0" vert="horz" wrap="square" lIns="641884" tIns="111760" rIns="111760" bIns="111760" numCol="1" spcCol="1270" anchor="ctr" anchorCtr="0">
+        <a:bodyPr spcFirstLastPara="0" vert="horz" wrap="square" lIns="521719" tIns="91440" rIns="91440" bIns="91440" numCol="1" spcCol="1270" anchor="ctr" anchorCtr="0">
           <a:noAutofit/>
         </a:bodyPr>
         <a:lstStyle/>
         <a:p>
-          <a:pPr marL="0" lvl="0" indent="0" algn="l" defTabSz="1955800">
+          <a:pPr marL="0" lvl="0" indent="0" algn="l" defTabSz="1600200">
             <a:lnSpc>
               <a:spcPct val="90000"/>
             </a:lnSpc>
@@ -1597,25 +1664,29 @@
             <a:buNone/>
           </a:pPr>
           <a:r>
-            <a:rPr lang="en-US" sz="4400" kern="1200" dirty="0"/>
-            <a:t>Component of the project</a:t>
+            <a:rPr lang="en-US" sz="3600" kern="1200"/>
+            <a:t>Main </a:t>
+          </a:r>
+          <a:r>
+            <a:rPr lang="en-US" sz="3600" kern="1200" dirty="0"/>
+            <a:t>idea</a:t>
           </a:r>
         </a:p>
       </dsp:txBody>
       <dsp:txXfrm>
-        <a:off x="1056143" y="1617345"/>
-        <a:ext cx="7796346" cy="808672"/>
+        <a:off x="965730" y="1314040"/>
+        <a:ext cx="7886759" cy="657283"/>
       </dsp:txXfrm>
     </dsp:sp>
-    <dsp:sp modelId="{5BAFC8F5-82D2-4F6A-82D7-768CA593B712}">
+    <dsp:sp modelId="{8CDDDE89-EFB1-464B-A275-A5036D6D7743}">
       <dsp:nvSpPr>
         <dsp:cNvPr id="0" name=""/>
         <dsp:cNvSpPr/>
       </dsp:nvSpPr>
       <dsp:spPr>
         <a:xfrm>
-          <a:off x="550722" y="1516261"/>
-          <a:ext cx="1010841" cy="1010841"/>
+          <a:off x="554928" y="1231880"/>
+          <a:ext cx="821604" cy="821604"/>
         </a:xfrm>
         <a:prstGeom prst="ellipse">
           <a:avLst/>
@@ -1632,9 +1703,9 @@
           <a:solidFill>
             <a:schemeClr val="accent2">
               <a:shade val="80000"/>
-              <a:hueOff val="64747"/>
-              <a:satOff val="-3822"/>
-              <a:lumOff val="9522"/>
+              <a:hueOff val="48560"/>
+              <a:satOff val="-2866"/>
+              <a:lumOff val="7141"/>
               <a:alphaOff val="0"/>
             </a:schemeClr>
           </a:solidFill>
@@ -1655,15 +1726,15 @@
         <a:fontRef idx="minor"/>
       </dsp:style>
     </dsp:sp>
-    <dsp:sp modelId="{A9E0EB5F-5840-4ABA-8E1D-AB6593B9C857}">
+    <dsp:sp modelId="{E88E2030-3E51-44C8-84BC-03CFA576F442}">
       <dsp:nvSpPr>
         <dsp:cNvPr id="0" name=""/>
         <dsp:cNvSpPr/>
       </dsp:nvSpPr>
       <dsp:spPr>
         <a:xfrm>
-          <a:off x="1056143" y="2830565"/>
-          <a:ext cx="7796346" cy="808672"/>
+          <a:off x="1110286" y="2299650"/>
+          <a:ext cx="7742203" cy="657283"/>
         </a:xfrm>
         <a:prstGeom prst="rect">
           <a:avLst/>
@@ -1671,9 +1742,9 @@
         <a:solidFill>
           <a:schemeClr val="accent2">
             <a:shade val="80000"/>
-            <a:hueOff val="129493"/>
-            <a:satOff val="-7643"/>
-            <a:lumOff val="19044"/>
+            <a:hueOff val="97120"/>
+            <a:satOff val="-5732"/>
+            <a:lumOff val="14283"/>
             <a:alphaOff val="0"/>
           </a:schemeClr>
         </a:solidFill>
@@ -1705,12 +1776,12 @@
         </a:fontRef>
       </dsp:style>
       <dsp:txBody>
-        <a:bodyPr spcFirstLastPara="0" vert="horz" wrap="square" lIns="641884" tIns="111760" rIns="111760" bIns="111760" numCol="1" spcCol="1270" anchor="ctr" anchorCtr="0">
+        <a:bodyPr spcFirstLastPara="0" vert="horz" wrap="square" lIns="521719" tIns="91440" rIns="91440" bIns="91440" numCol="1" spcCol="1270" anchor="ctr" anchorCtr="0">
           <a:noAutofit/>
         </a:bodyPr>
         <a:lstStyle/>
         <a:p>
-          <a:pPr marL="0" lvl="0" indent="0" algn="l" defTabSz="1955800">
+          <a:pPr marL="0" lvl="0" indent="0" algn="l" defTabSz="1600200">
             <a:lnSpc>
               <a:spcPct val="90000"/>
             </a:lnSpc>
@@ -1723,26 +1794,25 @@
             <a:buNone/>
           </a:pPr>
           <a:r>
-            <a:rPr lang="fr-CH" sz="4400" kern="1200" dirty="0"/>
-            <a:t>Data description</a:t>
+            <a:rPr lang="en-US" sz="3600" kern="1200" dirty="0"/>
+            <a:t>Component of the project</a:t>
           </a:r>
-          <a:endParaRPr lang="en-US" sz="4400" kern="1200" dirty="0"/>
         </a:p>
       </dsp:txBody>
       <dsp:txXfrm>
-        <a:off x="1056143" y="2830565"/>
-        <a:ext cx="7796346" cy="808672"/>
+        <a:off x="1110286" y="2299650"/>
+        <a:ext cx="7742203" cy="657283"/>
       </dsp:txXfrm>
     </dsp:sp>
-    <dsp:sp modelId="{9266A787-010C-49CD-967B-415B6A6E5BAF}">
+    <dsp:sp modelId="{5BAFC8F5-82D2-4F6A-82D7-768CA593B712}">
       <dsp:nvSpPr>
         <dsp:cNvPr id="0" name=""/>
         <dsp:cNvSpPr/>
       </dsp:nvSpPr>
       <dsp:spPr>
         <a:xfrm>
-          <a:off x="550722" y="2729481"/>
-          <a:ext cx="1010841" cy="1010841"/>
+          <a:off x="699484" y="2217489"/>
+          <a:ext cx="821604" cy="821604"/>
         </a:xfrm>
         <a:prstGeom prst="ellipse">
           <a:avLst/>
@@ -1759,9 +1829,9 @@
           <a:solidFill>
             <a:schemeClr val="accent2">
               <a:shade val="80000"/>
-              <a:hueOff val="129493"/>
-              <a:satOff val="-7643"/>
-              <a:lumOff val="19044"/>
+              <a:hueOff val="97120"/>
+              <a:satOff val="-5732"/>
+              <a:lumOff val="14283"/>
               <a:alphaOff val="0"/>
             </a:schemeClr>
           </a:solidFill>
@@ -1782,15 +1852,142 @@
         <a:fontRef idx="minor"/>
       </dsp:style>
     </dsp:sp>
-    <dsp:sp modelId="{EACFB148-853C-46FA-A7BB-AE2CB4C44867}">
+    <dsp:sp modelId="{DFA78AAE-DAA8-44BF-B32B-AD3D8CE3A289}">
       <dsp:nvSpPr>
         <dsp:cNvPr id="0" name=""/>
         <dsp:cNvSpPr/>
       </dsp:nvSpPr>
       <dsp:spPr>
         <a:xfrm>
-          <a:off x="592512" y="4043784"/>
-          <a:ext cx="8259977" cy="808672"/>
+          <a:off x="965730" y="3285259"/>
+          <a:ext cx="7886759" cy="657283"/>
+        </a:xfrm>
+        <a:prstGeom prst="rect">
+          <a:avLst/>
+        </a:prstGeom>
+        <a:solidFill>
+          <a:schemeClr val="accent2">
+            <a:shade val="80000"/>
+            <a:hueOff val="145680"/>
+            <a:satOff val="-8599"/>
+            <a:lumOff val="21424"/>
+            <a:alphaOff val="0"/>
+          </a:schemeClr>
+        </a:solidFill>
+        <a:ln w="25400" cap="flat" cmpd="sng" algn="ctr">
+          <a:solidFill>
+            <a:schemeClr val="lt1">
+              <a:hueOff val="0"/>
+              <a:satOff val="0"/>
+              <a:lumOff val="0"/>
+              <a:alphaOff val="0"/>
+            </a:schemeClr>
+          </a:solidFill>
+          <a:prstDash val="solid"/>
+        </a:ln>
+        <a:effectLst/>
+      </dsp:spPr>
+      <dsp:style>
+        <a:lnRef idx="2">
+          <a:scrgbClr r="0" g="0" b="0"/>
+        </a:lnRef>
+        <a:fillRef idx="1">
+          <a:scrgbClr r="0" g="0" b="0"/>
+        </a:fillRef>
+        <a:effectRef idx="0">
+          <a:scrgbClr r="0" g="0" b="0"/>
+        </a:effectRef>
+        <a:fontRef idx="minor">
+          <a:schemeClr val="lt1"/>
+        </a:fontRef>
+      </dsp:style>
+      <dsp:txBody>
+        <a:bodyPr spcFirstLastPara="0" vert="horz" wrap="square" lIns="521719" tIns="91440" rIns="91440" bIns="91440" numCol="1" spcCol="1270" anchor="ctr" anchorCtr="0">
+          <a:noAutofit/>
+        </a:bodyPr>
+        <a:lstStyle/>
+        <a:p>
+          <a:pPr marL="0" lvl="0" indent="0" algn="l" defTabSz="1600200">
+            <a:lnSpc>
+              <a:spcPct val="90000"/>
+            </a:lnSpc>
+            <a:spcBef>
+              <a:spcPct val="0"/>
+            </a:spcBef>
+            <a:spcAft>
+              <a:spcPct val="35000"/>
+            </a:spcAft>
+            <a:buNone/>
+          </a:pPr>
+          <a:r>
+            <a:rPr lang="fr-CH" sz="3600" kern="1200" dirty="0"/>
+            <a:t>Data description</a:t>
+          </a:r>
+          <a:endParaRPr lang="en-US" sz="3600" kern="1200" dirty="0"/>
+        </a:p>
+      </dsp:txBody>
+      <dsp:txXfrm>
+        <a:off x="965730" y="3285259"/>
+        <a:ext cx="7886759" cy="657283"/>
+      </dsp:txXfrm>
+    </dsp:sp>
+    <dsp:sp modelId="{9266A787-010C-49CD-967B-415B6A6E5BAF}">
+      <dsp:nvSpPr>
+        <dsp:cNvPr id="0" name=""/>
+        <dsp:cNvSpPr/>
+      </dsp:nvSpPr>
+      <dsp:spPr>
+        <a:xfrm>
+          <a:off x="554928" y="3203099"/>
+          <a:ext cx="821604" cy="821604"/>
+        </a:xfrm>
+        <a:prstGeom prst="ellipse">
+          <a:avLst/>
+        </a:prstGeom>
+        <a:solidFill>
+          <a:schemeClr val="lt1">
+            <a:hueOff val="0"/>
+            <a:satOff val="0"/>
+            <a:lumOff val="0"/>
+            <a:alphaOff val="0"/>
+          </a:schemeClr>
+        </a:solidFill>
+        <a:ln w="25400" cap="flat" cmpd="sng" algn="ctr">
+          <a:solidFill>
+            <a:schemeClr val="accent2">
+              <a:shade val="80000"/>
+              <a:hueOff val="145680"/>
+              <a:satOff val="-8599"/>
+              <a:lumOff val="21424"/>
+              <a:alphaOff val="0"/>
+            </a:schemeClr>
+          </a:solidFill>
+          <a:prstDash val="solid"/>
+        </a:ln>
+        <a:effectLst/>
+      </dsp:spPr>
+      <dsp:style>
+        <a:lnRef idx="2">
+          <a:scrgbClr r="0" g="0" b="0"/>
+        </a:lnRef>
+        <a:fillRef idx="1">
+          <a:scrgbClr r="0" g="0" b="0"/>
+        </a:fillRef>
+        <a:effectRef idx="0">
+          <a:scrgbClr r="0" g="0" b="0"/>
+        </a:effectRef>
+        <a:fontRef idx="minor"/>
+      </dsp:style>
+    </dsp:sp>
+    <dsp:sp modelId="{61749620-F288-4942-932B-DBAB21517267}">
+      <dsp:nvSpPr>
+        <dsp:cNvPr id="0" name=""/>
+        <dsp:cNvSpPr/>
+      </dsp:nvSpPr>
+      <dsp:spPr>
+        <a:xfrm>
+          <a:off x="494740" y="4270869"/>
+          <a:ext cx="8357749" cy="657283"/>
         </a:xfrm>
         <a:prstGeom prst="rect">
           <a:avLst/>
@@ -1832,12 +2029,12 @@
         </a:fontRef>
       </dsp:style>
       <dsp:txBody>
-        <a:bodyPr spcFirstLastPara="0" vert="horz" wrap="square" lIns="641884" tIns="111760" rIns="111760" bIns="111760" numCol="1" spcCol="1270" anchor="ctr" anchorCtr="0">
+        <a:bodyPr spcFirstLastPara="0" vert="horz" wrap="square" lIns="521719" tIns="91440" rIns="91440" bIns="91440" numCol="1" spcCol="1270" anchor="ctr" anchorCtr="0">
           <a:noAutofit/>
         </a:bodyPr>
         <a:lstStyle/>
         <a:p>
-          <a:pPr marL="0" lvl="0" indent="0" algn="l" defTabSz="1955800">
+          <a:pPr marL="0" lvl="0" indent="0" algn="l" defTabSz="1600200">
             <a:lnSpc>
               <a:spcPct val="90000"/>
             </a:lnSpc>
@@ -1850,14 +2047,14 @@
             <a:buNone/>
           </a:pPr>
           <a:r>
-            <a:rPr lang="en-US" sz="4400" kern="1200" dirty="0"/>
+            <a:rPr lang="en-US" sz="3600" kern="1200" dirty="0"/>
             <a:t>Type of analytics</a:t>
           </a:r>
         </a:p>
       </dsp:txBody>
       <dsp:txXfrm>
-        <a:off x="592512" y="4043784"/>
-        <a:ext cx="8259977" cy="808672"/>
+        <a:off x="494740" y="4270869"/>
+        <a:ext cx="8357749" cy="657283"/>
       </dsp:txXfrm>
     </dsp:sp>
     <dsp:sp modelId="{B2C66AB1-F88D-4153-B758-2F76B11080D8}">
@@ -1867,8 +2064,8 @@
       </dsp:nvSpPr>
       <dsp:spPr>
         <a:xfrm>
-          <a:off x="87092" y="3942700"/>
-          <a:ext cx="1010841" cy="1010841"/>
+          <a:off x="83938" y="4188708"/>
+          <a:ext cx="821604" cy="821604"/>
         </a:xfrm>
         <a:prstGeom prst="ellipse">
           <a:avLst/>
@@ -4224,6 +4421,195 @@
 </dgm:styleDef>
 </file>
 
+<file path=ppt/handoutMasters/handoutMaster1.xml><?xml version="1.0" encoding="utf-8"?>
+<p:handoutMaster xmlns:a="http://schemas.openxmlformats.org/drawingml/2006/main" xmlns:r="http://schemas.openxmlformats.org/officeDocument/2006/relationships" xmlns:p="http://schemas.openxmlformats.org/presentationml/2006/main">
+  <p:cSld>
+    <p:bg>
+      <p:bgRef idx="1001">
+        <a:schemeClr val="bg1"/>
+      </p:bgRef>
+    </p:bg>
+    <p:spTree>
+      <p:nvGrpSpPr>
+        <p:cNvPr id="1" name=""/>
+        <p:cNvGrpSpPr/>
+        <p:nvPr/>
+      </p:nvGrpSpPr>
+      <p:grpSpPr>
+        <a:xfrm>
+          <a:off x="0" y="0"/>
+          <a:ext cx="0" cy="0"/>
+          <a:chOff x="0" y="0"/>
+          <a:chExt cx="0" cy="0"/>
+        </a:xfrm>
+      </p:grpSpPr>
+      <p:sp>
+        <p:nvSpPr>
+          <p:cNvPr id="2" name="Header Placeholder 1">
+            <a:extLst>
+              <a:ext uri="{FF2B5EF4-FFF2-40B4-BE49-F238E27FC236}">
+                <a16:creationId xmlns:a16="http://schemas.microsoft.com/office/drawing/2014/main" id="{39059AEE-4BE9-0A71-DB7D-7A728BEF5524}"/>
+              </a:ext>
+            </a:extLst>
+          </p:cNvPr>
+          <p:cNvSpPr>
+            <a:spLocks noGrp="1"/>
+          </p:cNvSpPr>
+          <p:nvPr>
+            <p:ph type="hdr" sz="quarter"/>
+          </p:nvPr>
+        </p:nvSpPr>
+        <p:spPr>
+          <a:xfrm>
+            <a:off x="0" y="0"/>
+            <a:ext cx="2971800" cy="458788"/>
+          </a:xfrm>
+          <a:prstGeom prst="rect">
+            <a:avLst/>
+          </a:prstGeom>
+        </p:spPr>
+        <p:txBody>
+          <a:bodyPr vert="horz" lIns="91440" tIns="45720" rIns="91440" bIns="45720" rtlCol="0"/>
+          <a:lstStyle>
+            <a:lvl1pPr algn="l">
+              <a:defRPr sz="1200"/>
+            </a:lvl1pPr>
+          </a:lstStyle>
+          <a:p>
+            <a:endParaRPr lang="fr-CH"/>
+          </a:p>
+        </p:txBody>
+      </p:sp>
+      <p:sp>
+        <p:nvSpPr>
+          <p:cNvPr id="3" name="Date Placeholder 2">
+            <a:extLst>
+              <a:ext uri="{FF2B5EF4-FFF2-40B4-BE49-F238E27FC236}">
+                <a16:creationId xmlns:a16="http://schemas.microsoft.com/office/drawing/2014/main" id="{B13A6FBA-3E6E-D1FE-6DF2-F626F62051B8}"/>
+              </a:ext>
+            </a:extLst>
+          </p:cNvPr>
+          <p:cNvSpPr>
+            <a:spLocks noGrp="1"/>
+          </p:cNvSpPr>
+          <p:nvPr>
+            <p:ph type="dt" sz="quarter" idx="1"/>
+          </p:nvPr>
+        </p:nvSpPr>
+        <p:spPr>
+          <a:xfrm>
+            <a:off x="3884613" y="0"/>
+            <a:ext cx="2971800" cy="458788"/>
+          </a:xfrm>
+          <a:prstGeom prst="rect">
+            <a:avLst/>
+          </a:prstGeom>
+        </p:spPr>
+        <p:txBody>
+          <a:bodyPr vert="horz" lIns="91440" tIns="45720" rIns="91440" bIns="45720" rtlCol="0"/>
+          <a:lstStyle>
+            <a:lvl1pPr algn="r">
+              <a:defRPr sz="1200"/>
+            </a:lvl1pPr>
+          </a:lstStyle>
+          <a:p>
+            <a:fld id="{E3393BD8-E548-4BFD-913D-0A9FE6B1B3A7}" type="datetimeFigureOut">
+              <a:rPr lang="fr-CH" smtClean="0"/>
+              <a:t>13.03.2023</a:t>
+            </a:fld>
+            <a:endParaRPr lang="fr-CH"/>
+          </a:p>
+        </p:txBody>
+      </p:sp>
+      <p:sp>
+        <p:nvSpPr>
+          <p:cNvPr id="4" name="Footer Placeholder 3">
+            <a:extLst>
+              <a:ext uri="{FF2B5EF4-FFF2-40B4-BE49-F238E27FC236}">
+                <a16:creationId xmlns:a16="http://schemas.microsoft.com/office/drawing/2014/main" id="{DAF27185-ACFC-075B-97CF-986A044F0FBB}"/>
+              </a:ext>
+            </a:extLst>
+          </p:cNvPr>
+          <p:cNvSpPr>
+            <a:spLocks noGrp="1"/>
+          </p:cNvSpPr>
+          <p:nvPr>
+            <p:ph type="ftr" sz="quarter" idx="2"/>
+          </p:nvPr>
+        </p:nvSpPr>
+        <p:spPr>
+          <a:xfrm>
+            <a:off x="0" y="8685213"/>
+            <a:ext cx="2971800" cy="458787"/>
+          </a:xfrm>
+          <a:prstGeom prst="rect">
+            <a:avLst/>
+          </a:prstGeom>
+        </p:spPr>
+        <p:txBody>
+          <a:bodyPr vert="horz" lIns="91440" tIns="45720" rIns="91440" bIns="45720" rtlCol="0" anchor="b"/>
+          <a:lstStyle>
+            <a:lvl1pPr algn="l">
+              <a:defRPr sz="1200"/>
+            </a:lvl1pPr>
+          </a:lstStyle>
+          <a:p>
+            <a:endParaRPr lang="fr-CH"/>
+          </a:p>
+        </p:txBody>
+      </p:sp>
+      <p:sp>
+        <p:nvSpPr>
+          <p:cNvPr id="5" name="Slide Number Placeholder 4">
+            <a:extLst>
+              <a:ext uri="{FF2B5EF4-FFF2-40B4-BE49-F238E27FC236}">
+                <a16:creationId xmlns:a16="http://schemas.microsoft.com/office/drawing/2014/main" id="{F1D7C584-3A09-4111-2EB0-F5387C661218}"/>
+              </a:ext>
+            </a:extLst>
+          </p:cNvPr>
+          <p:cNvSpPr>
+            <a:spLocks noGrp="1"/>
+          </p:cNvSpPr>
+          <p:nvPr>
+            <p:ph type="sldNum" sz="quarter" idx="3"/>
+          </p:nvPr>
+        </p:nvSpPr>
+        <p:spPr>
+          <a:xfrm>
+            <a:off x="3884613" y="8685213"/>
+            <a:ext cx="2971800" cy="458787"/>
+          </a:xfrm>
+          <a:prstGeom prst="rect">
+            <a:avLst/>
+          </a:prstGeom>
+        </p:spPr>
+        <p:txBody>
+          <a:bodyPr vert="horz" lIns="91440" tIns="45720" rIns="91440" bIns="45720" rtlCol="0" anchor="b"/>
+          <a:lstStyle>
+            <a:lvl1pPr algn="r">
+              <a:defRPr sz="1200"/>
+            </a:lvl1pPr>
+          </a:lstStyle>
+          <a:p>
+            <a:fld id="{9241CF15-A718-4C9A-ADFE-23D567475289}" type="slidenum">
+              <a:rPr lang="fr-CH" smtClean="0"/>
+              <a:t>‹#›</a:t>
+            </a:fld>
+            <a:endParaRPr lang="fr-CH"/>
+          </a:p>
+        </p:txBody>
+      </p:sp>
+    </p:spTree>
+    <p:extLst>
+      <p:ext uri="{BB962C8B-B14F-4D97-AF65-F5344CB8AC3E}">
+        <p14:creationId xmlns:p14="http://schemas.microsoft.com/office/powerpoint/2010/main" val="634910409"/>
+      </p:ext>
+    </p:extLst>
+  </p:cSld>
+  <p:clrMap bg1="lt1" tx1="dk1" bg2="lt2" tx2="dk2" accent1="accent1" accent2="accent2" accent3="accent3" accent4="accent4" accent5="accent5" accent6="accent6" hlink="hlink" folHlink="folHlink"/>
+</p:handoutMaster>
+</file>
+
 <file path=ppt/notesMasters/notesMaster1.xml><?xml version="1.0" encoding="utf-8"?>
 <p:notesMaster xmlns:a="http://schemas.openxmlformats.org/drawingml/2006/main" xmlns:r="http://schemas.openxmlformats.org/officeDocument/2006/relationships" xmlns:p="http://schemas.openxmlformats.org/presentationml/2006/main">
   <p:cSld>
@@ -4307,7 +4693,7 @@
             <a:fld id="{12B7AC1A-AE76-4681-95BC-4CE7CA1EE5BF}" type="datetimeFigureOut">
               <a:rPr lang="de-CH" smtClean="0"/>
               <a:pPr/>
-              <a:t>10.03.2023</a:t>
+              <a:t>13.03.2023</a:t>
             </a:fld>
             <a:endParaRPr lang="de-CH"/>
           </a:p>
@@ -4798,7 +5184,7 @@
     </p:spTree>
     <p:extLst>
       <p:ext uri="{BB962C8B-B14F-4D97-AF65-F5344CB8AC3E}">
-        <p14:creationId xmlns:p14="http://schemas.microsoft.com/office/powerpoint/2010/main" val="4124261138"/>
+        <p14:creationId xmlns:p14="http://schemas.microsoft.com/office/powerpoint/2010/main" val="270032531"/>
       </p:ext>
     </p:extLst>
   </p:cSld>
@@ -4943,7 +5329,7 @@
     </p:spTree>
     <p:extLst>
       <p:ext uri="{BB962C8B-B14F-4D97-AF65-F5344CB8AC3E}">
-        <p14:creationId xmlns:p14="http://schemas.microsoft.com/office/powerpoint/2010/main" val="3148740720"/>
+        <p14:creationId xmlns:p14="http://schemas.microsoft.com/office/powerpoint/2010/main" val="1128403726"/>
       </p:ext>
     </p:extLst>
   </p:cSld>
@@ -5088,7 +5474,7 @@
     </p:spTree>
     <p:extLst>
       <p:ext uri="{BB962C8B-B14F-4D97-AF65-F5344CB8AC3E}">
-        <p14:creationId xmlns:p14="http://schemas.microsoft.com/office/powerpoint/2010/main" val="2298790170"/>
+        <p14:creationId xmlns:p14="http://schemas.microsoft.com/office/powerpoint/2010/main" val="3308560130"/>
       </p:ext>
     </p:extLst>
   </p:cSld>
@@ -5233,7 +5619,7 @@
     </p:spTree>
     <p:extLst>
       <p:ext uri="{BB962C8B-B14F-4D97-AF65-F5344CB8AC3E}">
-        <p14:creationId xmlns:p14="http://schemas.microsoft.com/office/powerpoint/2010/main" val="2425393118"/>
+        <p14:creationId xmlns:p14="http://schemas.microsoft.com/office/powerpoint/2010/main" val="4124261138"/>
       </p:ext>
     </p:extLst>
   </p:cSld>
@@ -5370,6 +5756,441 @@
               <a:rPr lang="de-CH" smtClean="0"/>
               <a:pPr/>
               <a:t>7</a:t>
+            </a:fld>
+            <a:endParaRPr lang="de-CH"/>
+          </a:p>
+        </p:txBody>
+      </p:sp>
+    </p:spTree>
+    <p:extLst>
+      <p:ext uri="{BB962C8B-B14F-4D97-AF65-F5344CB8AC3E}">
+        <p14:creationId xmlns:p14="http://schemas.microsoft.com/office/powerpoint/2010/main" val="3148740720"/>
+      </p:ext>
+    </p:extLst>
+  </p:cSld>
+  <p:clrMapOvr>
+    <a:masterClrMapping/>
+  </p:clrMapOvr>
+</p:notes>
+</file>
+
+<file path=ppt/notesSlides/notesSlide7.xml><?xml version="1.0" encoding="utf-8"?>
+<p:notes xmlns:a="http://schemas.openxmlformats.org/drawingml/2006/main" xmlns:r="http://schemas.openxmlformats.org/officeDocument/2006/relationships" xmlns:p="http://schemas.openxmlformats.org/presentationml/2006/main">
+  <p:cSld>
+    <p:spTree>
+      <p:nvGrpSpPr>
+        <p:cNvPr id="1" name=""/>
+        <p:cNvGrpSpPr/>
+        <p:nvPr/>
+      </p:nvGrpSpPr>
+      <p:grpSpPr>
+        <a:xfrm>
+          <a:off x="0" y="0"/>
+          <a:ext cx="0" cy="0"/>
+          <a:chOff x="0" y="0"/>
+          <a:chExt cx="0" cy="0"/>
+        </a:xfrm>
+      </p:grpSpPr>
+      <p:sp>
+        <p:nvSpPr>
+          <p:cNvPr id="2" name="Espace réservé de l'image des diapositives 1"/>
+          <p:cNvSpPr>
+            <a:spLocks noGrp="1" noRot="1" noChangeAspect="1"/>
+          </p:cNvSpPr>
+          <p:nvPr>
+            <p:ph type="sldImg"/>
+          </p:nvPr>
+        </p:nvSpPr>
+        <p:spPr/>
+      </p:sp>
+      <p:sp>
+        <p:nvSpPr>
+          <p:cNvPr id="3" name="Espace réservé des notes 2"/>
+          <p:cNvSpPr>
+            <a:spLocks noGrp="1"/>
+          </p:cNvSpPr>
+          <p:nvPr>
+            <p:ph type="body" idx="1"/>
+          </p:nvPr>
+        </p:nvSpPr>
+        <p:spPr/>
+        <p:txBody>
+          <a:bodyPr/>
+          <a:lstStyle/>
+          <a:p>
+            <a:pPr marL="342900" indent="-342900"/>
+            <a:r>
+              <a:rPr lang="en-US" dirty="0">
+                <a:solidFill>
+                  <a:schemeClr val="tx1"/>
+                </a:solidFill>
+              </a:rPr>
+              <a:t>Creating a C project from scratch.</a:t>
+            </a:r>
+          </a:p>
+          <a:p>
+            <a:pPr marL="342900" indent="-342900"/>
+            <a:r>
+              <a:rPr lang="en-US" dirty="0">
+                <a:solidFill>
+                  <a:schemeClr val="tx1"/>
+                </a:solidFill>
+              </a:rPr>
+              <a:t>Working with C language concepts. (Arrays, Pointers, Data Structures).</a:t>
+            </a:r>
+          </a:p>
+          <a:p>
+            <a:pPr marL="342900" indent="-342900"/>
+            <a:r>
+              <a:rPr lang="en-US" dirty="0">
+                <a:solidFill>
+                  <a:schemeClr val="tx1"/>
+                </a:solidFill>
+              </a:rPr>
+              <a:t>Incorporating resources from the internet.</a:t>
+            </a:r>
+          </a:p>
+          <a:p>
+            <a:pPr marL="342900" indent="-342900"/>
+            <a:r>
+              <a:rPr lang="en-US" dirty="0">
+                <a:solidFill>
+                  <a:schemeClr val="tx1"/>
+                </a:solidFill>
+              </a:rPr>
+              <a:t>Autonomously figuring out how to compile C code to different targets (microprocessor ESP8266 and TVOC/eCO2 Gas Sensor Unit (SGP30)). Get the values.</a:t>
+            </a:r>
+          </a:p>
+          <a:p>
+            <a:pPr marL="342900" indent="-342900"/>
+            <a:r>
+              <a:rPr lang="en-US" dirty="0">
+                <a:solidFill>
+                  <a:schemeClr val="tx1"/>
+                </a:solidFill>
+              </a:rPr>
+              <a:t>Runnable code, including testing scripts provided on GitLab with working automated build scripts (Gitlab CI).</a:t>
+            </a:r>
+            <a:endParaRPr lang="fr-CH" dirty="0">
+              <a:solidFill>
+                <a:schemeClr val="tx1"/>
+              </a:solidFill>
+            </a:endParaRPr>
+          </a:p>
+          <a:p>
+            <a:endParaRPr lang="fr-CH" dirty="0"/>
+          </a:p>
+        </p:txBody>
+      </p:sp>
+      <p:sp>
+        <p:nvSpPr>
+          <p:cNvPr id="4" name="Espace réservé du numéro de diapositive 3"/>
+          <p:cNvSpPr>
+            <a:spLocks noGrp="1"/>
+          </p:cNvSpPr>
+          <p:nvPr>
+            <p:ph type="sldNum" sz="quarter" idx="5"/>
+          </p:nvPr>
+        </p:nvSpPr>
+        <p:spPr/>
+        <p:txBody>
+          <a:bodyPr/>
+          <a:lstStyle/>
+          <a:p>
+            <a:fld id="{46167BC3-E335-4665-8934-A2481CBD462D}" type="slidenum">
+              <a:rPr lang="de-CH" smtClean="0"/>
+              <a:pPr/>
+              <a:t>8</a:t>
+            </a:fld>
+            <a:endParaRPr lang="de-CH"/>
+          </a:p>
+        </p:txBody>
+      </p:sp>
+    </p:spTree>
+    <p:extLst>
+      <p:ext uri="{BB962C8B-B14F-4D97-AF65-F5344CB8AC3E}">
+        <p14:creationId xmlns:p14="http://schemas.microsoft.com/office/powerpoint/2010/main" val="2298790170"/>
+      </p:ext>
+    </p:extLst>
+  </p:cSld>
+  <p:clrMapOvr>
+    <a:masterClrMapping/>
+  </p:clrMapOvr>
+</p:notes>
+</file>
+
+<file path=ppt/notesSlides/notesSlide8.xml><?xml version="1.0" encoding="utf-8"?>
+<p:notes xmlns:a="http://schemas.openxmlformats.org/drawingml/2006/main" xmlns:r="http://schemas.openxmlformats.org/officeDocument/2006/relationships" xmlns:p="http://schemas.openxmlformats.org/presentationml/2006/main">
+  <p:cSld>
+    <p:spTree>
+      <p:nvGrpSpPr>
+        <p:cNvPr id="1" name=""/>
+        <p:cNvGrpSpPr/>
+        <p:nvPr/>
+      </p:nvGrpSpPr>
+      <p:grpSpPr>
+        <a:xfrm>
+          <a:off x="0" y="0"/>
+          <a:ext cx="0" cy="0"/>
+          <a:chOff x="0" y="0"/>
+          <a:chExt cx="0" cy="0"/>
+        </a:xfrm>
+      </p:grpSpPr>
+      <p:sp>
+        <p:nvSpPr>
+          <p:cNvPr id="2" name="Espace réservé de l'image des diapositives 1"/>
+          <p:cNvSpPr>
+            <a:spLocks noGrp="1" noRot="1" noChangeAspect="1"/>
+          </p:cNvSpPr>
+          <p:nvPr>
+            <p:ph type="sldImg"/>
+          </p:nvPr>
+        </p:nvSpPr>
+        <p:spPr/>
+      </p:sp>
+      <p:sp>
+        <p:nvSpPr>
+          <p:cNvPr id="3" name="Espace réservé des notes 2"/>
+          <p:cNvSpPr>
+            <a:spLocks noGrp="1"/>
+          </p:cNvSpPr>
+          <p:nvPr>
+            <p:ph type="body" idx="1"/>
+          </p:nvPr>
+        </p:nvSpPr>
+        <p:spPr/>
+        <p:txBody>
+          <a:bodyPr/>
+          <a:lstStyle/>
+          <a:p>
+            <a:pPr marL="342900" indent="-342900"/>
+            <a:r>
+              <a:rPr lang="en-US" dirty="0">
+                <a:solidFill>
+                  <a:schemeClr val="tx1"/>
+                </a:solidFill>
+              </a:rPr>
+              <a:t>Creating a C project from scratch.</a:t>
+            </a:r>
+          </a:p>
+          <a:p>
+            <a:pPr marL="342900" indent="-342900"/>
+            <a:r>
+              <a:rPr lang="en-US" dirty="0">
+                <a:solidFill>
+                  <a:schemeClr val="tx1"/>
+                </a:solidFill>
+              </a:rPr>
+              <a:t>Working with C language concepts. (Arrays, Pointers, Data Structures).</a:t>
+            </a:r>
+          </a:p>
+          <a:p>
+            <a:pPr marL="342900" indent="-342900"/>
+            <a:r>
+              <a:rPr lang="en-US" dirty="0">
+                <a:solidFill>
+                  <a:schemeClr val="tx1"/>
+                </a:solidFill>
+              </a:rPr>
+              <a:t>Incorporating resources from the internet.</a:t>
+            </a:r>
+          </a:p>
+          <a:p>
+            <a:pPr marL="342900" indent="-342900"/>
+            <a:r>
+              <a:rPr lang="en-US" dirty="0">
+                <a:solidFill>
+                  <a:schemeClr val="tx1"/>
+                </a:solidFill>
+              </a:rPr>
+              <a:t>Autonomously figuring out how to compile C code to different targets (microprocessor ESP8266 and TVOC/eCO2 Gas Sensor Unit (SGP30)). Get the values.</a:t>
+            </a:r>
+          </a:p>
+          <a:p>
+            <a:pPr marL="342900" indent="-342900"/>
+            <a:r>
+              <a:rPr lang="en-US" dirty="0">
+                <a:solidFill>
+                  <a:schemeClr val="tx1"/>
+                </a:solidFill>
+              </a:rPr>
+              <a:t>Runnable code, including testing scripts provided on GitLab with working automated build scripts (Gitlab CI).</a:t>
+            </a:r>
+            <a:endParaRPr lang="fr-CH" dirty="0">
+              <a:solidFill>
+                <a:schemeClr val="tx1"/>
+              </a:solidFill>
+            </a:endParaRPr>
+          </a:p>
+          <a:p>
+            <a:endParaRPr lang="fr-CH" dirty="0"/>
+          </a:p>
+        </p:txBody>
+      </p:sp>
+      <p:sp>
+        <p:nvSpPr>
+          <p:cNvPr id="4" name="Espace réservé du numéro de diapositive 3"/>
+          <p:cNvSpPr>
+            <a:spLocks noGrp="1"/>
+          </p:cNvSpPr>
+          <p:nvPr>
+            <p:ph type="sldNum" sz="quarter" idx="5"/>
+          </p:nvPr>
+        </p:nvSpPr>
+        <p:spPr/>
+        <p:txBody>
+          <a:bodyPr/>
+          <a:lstStyle/>
+          <a:p>
+            <a:fld id="{46167BC3-E335-4665-8934-A2481CBD462D}" type="slidenum">
+              <a:rPr lang="de-CH" smtClean="0"/>
+              <a:pPr/>
+              <a:t>9</a:t>
+            </a:fld>
+            <a:endParaRPr lang="de-CH"/>
+          </a:p>
+        </p:txBody>
+      </p:sp>
+    </p:spTree>
+    <p:extLst>
+      <p:ext uri="{BB962C8B-B14F-4D97-AF65-F5344CB8AC3E}">
+        <p14:creationId xmlns:p14="http://schemas.microsoft.com/office/powerpoint/2010/main" val="2425393118"/>
+      </p:ext>
+    </p:extLst>
+  </p:cSld>
+  <p:clrMapOvr>
+    <a:masterClrMapping/>
+  </p:clrMapOvr>
+</p:notes>
+</file>
+
+<file path=ppt/notesSlides/notesSlide9.xml><?xml version="1.0" encoding="utf-8"?>
+<p:notes xmlns:a="http://schemas.openxmlformats.org/drawingml/2006/main" xmlns:r="http://schemas.openxmlformats.org/officeDocument/2006/relationships" xmlns:p="http://schemas.openxmlformats.org/presentationml/2006/main">
+  <p:cSld>
+    <p:spTree>
+      <p:nvGrpSpPr>
+        <p:cNvPr id="1" name=""/>
+        <p:cNvGrpSpPr/>
+        <p:nvPr/>
+      </p:nvGrpSpPr>
+      <p:grpSpPr>
+        <a:xfrm>
+          <a:off x="0" y="0"/>
+          <a:ext cx="0" cy="0"/>
+          <a:chOff x="0" y="0"/>
+          <a:chExt cx="0" cy="0"/>
+        </a:xfrm>
+      </p:grpSpPr>
+      <p:sp>
+        <p:nvSpPr>
+          <p:cNvPr id="2" name="Espace réservé de l'image des diapositives 1"/>
+          <p:cNvSpPr>
+            <a:spLocks noGrp="1" noRot="1" noChangeAspect="1"/>
+          </p:cNvSpPr>
+          <p:nvPr>
+            <p:ph type="sldImg"/>
+          </p:nvPr>
+        </p:nvSpPr>
+        <p:spPr/>
+      </p:sp>
+      <p:sp>
+        <p:nvSpPr>
+          <p:cNvPr id="3" name="Espace réservé des notes 2"/>
+          <p:cNvSpPr>
+            <a:spLocks noGrp="1"/>
+          </p:cNvSpPr>
+          <p:nvPr>
+            <p:ph type="body" idx="1"/>
+          </p:nvPr>
+        </p:nvSpPr>
+        <p:spPr/>
+        <p:txBody>
+          <a:bodyPr/>
+          <a:lstStyle/>
+          <a:p>
+            <a:pPr marL="342900" indent="-342900"/>
+            <a:r>
+              <a:rPr lang="en-US" dirty="0">
+                <a:solidFill>
+                  <a:schemeClr val="tx1"/>
+                </a:solidFill>
+              </a:rPr>
+              <a:t>Creating a C project from scratch.</a:t>
+            </a:r>
+          </a:p>
+          <a:p>
+            <a:pPr marL="342900" indent="-342900"/>
+            <a:r>
+              <a:rPr lang="en-US" dirty="0">
+                <a:solidFill>
+                  <a:schemeClr val="tx1"/>
+                </a:solidFill>
+              </a:rPr>
+              <a:t>Working with C language concepts. (Arrays, Pointers, Data Structures).</a:t>
+            </a:r>
+          </a:p>
+          <a:p>
+            <a:pPr marL="342900" indent="-342900"/>
+            <a:r>
+              <a:rPr lang="en-US" dirty="0">
+                <a:solidFill>
+                  <a:schemeClr val="tx1"/>
+                </a:solidFill>
+              </a:rPr>
+              <a:t>Incorporating resources from the internet.</a:t>
+            </a:r>
+          </a:p>
+          <a:p>
+            <a:pPr marL="342900" indent="-342900"/>
+            <a:r>
+              <a:rPr lang="en-US" dirty="0">
+                <a:solidFill>
+                  <a:schemeClr val="tx1"/>
+                </a:solidFill>
+              </a:rPr>
+              <a:t>Autonomously figuring out how to compile C code to different targets (microprocessor ESP8266 and TVOC/eCO2 Gas Sensor Unit (SGP30)). Get the values.</a:t>
+            </a:r>
+          </a:p>
+          <a:p>
+            <a:pPr marL="342900" indent="-342900"/>
+            <a:r>
+              <a:rPr lang="en-US" dirty="0">
+                <a:solidFill>
+                  <a:schemeClr val="tx1"/>
+                </a:solidFill>
+              </a:rPr>
+              <a:t>Runnable code, including testing scripts provided on GitLab with working automated build scripts (Gitlab CI).</a:t>
+            </a:r>
+            <a:endParaRPr lang="fr-CH" dirty="0">
+              <a:solidFill>
+                <a:schemeClr val="tx1"/>
+              </a:solidFill>
+            </a:endParaRPr>
+          </a:p>
+          <a:p>
+            <a:endParaRPr lang="fr-CH" dirty="0"/>
+          </a:p>
+        </p:txBody>
+      </p:sp>
+      <p:sp>
+        <p:nvSpPr>
+          <p:cNvPr id="4" name="Espace réservé du numéro de diapositive 3"/>
+          <p:cNvSpPr>
+            <a:spLocks noGrp="1"/>
+          </p:cNvSpPr>
+          <p:nvPr>
+            <p:ph type="sldNum" sz="quarter" idx="5"/>
+          </p:nvPr>
+        </p:nvSpPr>
+        <p:spPr/>
+        <p:txBody>
+          <a:bodyPr/>
+          <a:lstStyle/>
+          <a:p>
+            <a:fld id="{46167BC3-E335-4665-8934-A2481CBD462D}" type="slidenum">
+              <a:rPr lang="de-CH" smtClean="0"/>
+              <a:pPr/>
+              <a:t>10</a:t>
             </a:fld>
             <a:endParaRPr lang="de-CH"/>
           </a:p>
@@ -7423,7 +8244,7 @@
             <a:fld id="{8964A89B-F9D0-4B8B-9E13-75101EC3F755}" type="datetime4">
               <a:rPr lang="de-CH" smtClean="0"/>
               <a:pPr/>
-              <a:t>10. März 2023</a:t>
+              <a:t>13. März 2023</a:t>
             </a:fld>
             <a:endParaRPr lang="de-CH" dirty="0"/>
           </a:p>
@@ -7795,7 +8616,7 @@
               </a:rPr>
             </a:br>
             <a:r>
-              <a:rPr kumimoji="0" lang="de-DE" sz="800" b="1" i="0" u="none" strike="noStrike" kern="1200" cap="none" spc="0" normalizeH="0" baseline="0" noProof="0" dirty="0">
+              <a:rPr kumimoji="0" lang="de-DE" sz="800" b="1" i="0" u="none" strike="noStrike" kern="1200" cap="none" spc="0" normalizeH="0" baseline="0" noProof="0" dirty="0" err="1">
                 <a:ln>
                   <a:noFill/>
                 </a:ln>
@@ -7809,10 +8630,10 @@
                 <a:ea typeface="+mn-ea"/>
                 <a:cs typeface="Arial" pitchFamily="34" charset="0"/>
               </a:rPr>
-              <a:t>The Fribourg Sensor | </a:t>
-            </a:r>
-            <a:r>
-              <a:rPr kumimoji="0" lang="en-US" sz="800" b="1" i="0" u="none" strike="noStrike" kern="1200" cap="none" spc="0" normalizeH="0" baseline="0" noProof="0" dirty="0">
+              <a:t>Influence</a:t>
+            </a:r>
+            <a:r>
+              <a:rPr kumimoji="0" lang="de-DE" sz="800" b="1" i="0" u="none" strike="noStrike" kern="1200" cap="none" spc="0" normalizeH="0" baseline="0" noProof="0" dirty="0">
                 <a:ln>
                   <a:noFill/>
                 </a:ln>
@@ -7826,22 +8647,161 @@
                 <a:ea typeface="+mn-ea"/>
                 <a:cs typeface="Arial" pitchFamily="34" charset="0"/>
               </a:rPr>
-              <a:t>SIN.02020 — System-oriented Programming</a:t>
-            </a:r>
-            <a:endParaRPr kumimoji="0" lang="de-DE" sz="800" b="1" i="0" u="none" strike="noStrike" kern="1200" cap="none" spc="0" normalizeH="0" baseline="0" noProof="0" dirty="0">
-              <a:ln>
-                <a:noFill/>
-              </a:ln>
-              <a:solidFill>
-                <a:schemeClr val="tx1"/>
-              </a:solidFill>
-              <a:effectLst/>
-              <a:uLnTx/>
-              <a:uFillTx/>
-              <a:latin typeface="Arial" pitchFamily="34" charset="0"/>
-              <a:ea typeface="+mn-ea"/>
-              <a:cs typeface="Arial" pitchFamily="34" charset="0"/>
-            </a:endParaRPr>
+              <a:t> </a:t>
+            </a:r>
+            <a:r>
+              <a:rPr kumimoji="0" lang="de-DE" sz="800" b="1" i="0" u="none" strike="noStrike" kern="1200" cap="none" spc="0" normalizeH="0" baseline="0" noProof="0" dirty="0" err="1">
+                <a:ln>
+                  <a:noFill/>
+                </a:ln>
+                <a:solidFill>
+                  <a:schemeClr val="tx1"/>
+                </a:solidFill>
+                <a:effectLst/>
+                <a:uLnTx/>
+                <a:uFillTx/>
+                <a:latin typeface="Arial" pitchFamily="34" charset="0"/>
+                <a:ea typeface="+mn-ea"/>
+                <a:cs typeface="Arial" pitchFamily="34" charset="0"/>
+              </a:rPr>
+              <a:t>of</a:t>
+            </a:r>
+            <a:r>
+              <a:rPr kumimoji="0" lang="de-DE" sz="800" b="1" i="0" u="none" strike="noStrike" kern="1200" cap="none" spc="0" normalizeH="0" baseline="0" noProof="0" dirty="0">
+                <a:ln>
+                  <a:noFill/>
+                </a:ln>
+                <a:solidFill>
+                  <a:schemeClr val="tx1"/>
+                </a:solidFill>
+                <a:effectLst/>
+                <a:uLnTx/>
+                <a:uFillTx/>
+                <a:latin typeface="Arial" pitchFamily="34" charset="0"/>
+                <a:ea typeface="+mn-ea"/>
+                <a:cs typeface="Arial" pitchFamily="34" charset="0"/>
+              </a:rPr>
+              <a:t> </a:t>
+            </a:r>
+            <a:r>
+              <a:rPr kumimoji="0" lang="de-DE" sz="800" b="1" i="0" u="none" strike="noStrike" kern="1200" cap="none" spc="0" normalizeH="0" baseline="0" noProof="0" dirty="0" err="1">
+                <a:ln>
+                  <a:noFill/>
+                </a:ln>
+                <a:solidFill>
+                  <a:schemeClr val="tx1"/>
+                </a:solidFill>
+                <a:effectLst/>
+                <a:uLnTx/>
+                <a:uFillTx/>
+                <a:latin typeface="Arial" pitchFamily="34" charset="0"/>
+                <a:ea typeface="+mn-ea"/>
+                <a:cs typeface="Arial" pitchFamily="34" charset="0"/>
+              </a:rPr>
+              <a:t>the</a:t>
+            </a:r>
+            <a:r>
+              <a:rPr kumimoji="0" lang="de-DE" sz="800" b="1" i="0" u="none" strike="noStrike" kern="1200" cap="none" spc="0" normalizeH="0" baseline="0" noProof="0" dirty="0">
+                <a:ln>
+                  <a:noFill/>
+                </a:ln>
+                <a:solidFill>
+                  <a:schemeClr val="tx1"/>
+                </a:solidFill>
+                <a:effectLst/>
+                <a:uLnTx/>
+                <a:uFillTx/>
+                <a:latin typeface="Arial" pitchFamily="34" charset="0"/>
+                <a:ea typeface="+mn-ea"/>
+                <a:cs typeface="Arial" pitchFamily="34" charset="0"/>
+              </a:rPr>
+              <a:t> </a:t>
+            </a:r>
+            <a:r>
+              <a:rPr kumimoji="0" lang="de-DE" sz="800" b="1" i="0" u="none" strike="noStrike" kern="1200" cap="none" spc="0" normalizeH="0" baseline="0" noProof="0" dirty="0" err="1">
+                <a:ln>
+                  <a:noFill/>
+                </a:ln>
+                <a:solidFill>
+                  <a:schemeClr val="tx1"/>
+                </a:solidFill>
+                <a:effectLst/>
+                <a:uLnTx/>
+                <a:uFillTx/>
+                <a:latin typeface="Arial" pitchFamily="34" charset="0"/>
+                <a:ea typeface="+mn-ea"/>
+                <a:cs typeface="Arial" pitchFamily="34" charset="0"/>
+              </a:rPr>
+              <a:t>popularity</a:t>
+            </a:r>
+            <a:r>
+              <a:rPr kumimoji="0" lang="de-DE" sz="800" b="1" i="0" u="none" strike="noStrike" kern="1200" cap="none" spc="0" normalizeH="0" baseline="0" noProof="0" dirty="0">
+                <a:ln>
+                  <a:noFill/>
+                </a:ln>
+                <a:solidFill>
+                  <a:schemeClr val="tx1"/>
+                </a:solidFill>
+                <a:effectLst/>
+                <a:uLnTx/>
+                <a:uFillTx/>
+                <a:latin typeface="Arial" pitchFamily="34" charset="0"/>
+                <a:ea typeface="+mn-ea"/>
+                <a:cs typeface="Arial" pitchFamily="34" charset="0"/>
+              </a:rPr>
+              <a:t> on </a:t>
+            </a:r>
+            <a:r>
+              <a:rPr kumimoji="0" lang="de-DE" sz="800" b="1" i="0" u="none" strike="noStrike" kern="1200" cap="none" spc="0" normalizeH="0" baseline="0" noProof="0" dirty="0" err="1">
+                <a:ln>
+                  <a:noFill/>
+                </a:ln>
+                <a:solidFill>
+                  <a:schemeClr val="tx1"/>
+                </a:solidFill>
+                <a:effectLst/>
+                <a:uLnTx/>
+                <a:uFillTx/>
+                <a:latin typeface="Arial" pitchFamily="34" charset="0"/>
+                <a:ea typeface="+mn-ea"/>
+                <a:cs typeface="Arial" pitchFamily="34" charset="0"/>
+              </a:rPr>
+              <a:t>sales</a:t>
+            </a:r>
+            <a:r>
+              <a:rPr kumimoji="0" lang="de-DE" sz="800" b="1" i="0" u="none" strike="noStrike" kern="1200" cap="none" spc="0" normalizeH="0" baseline="0" noProof="0">
+                <a:ln>
+                  <a:noFill/>
+                </a:ln>
+                <a:solidFill>
+                  <a:schemeClr val="tx1"/>
+                </a:solidFill>
+                <a:effectLst/>
+                <a:uLnTx/>
+                <a:uFillTx/>
+                <a:latin typeface="Arial" pitchFamily="34" charset="0"/>
+                <a:ea typeface="+mn-ea"/>
+                <a:cs typeface="Arial" pitchFamily="34" charset="0"/>
+              </a:rPr>
+              <a:t> | </a:t>
+            </a:r>
+            <a:r>
+              <a:rPr kumimoji="0" lang="en-US" sz="800" b="1" i="0" u="none" strike="noStrike" kern="1200" cap="none" spc="0" normalizeH="0" baseline="0" noProof="0" dirty="0">
+                <a:ln>
+                  <a:noFill/>
+                </a:ln>
+                <a:solidFill>
+                  <a:schemeClr val="tx1"/>
+                </a:solidFill>
+                <a:effectLst/>
+                <a:uLnTx/>
+                <a:uFillTx/>
+                <a:latin typeface="Arial" pitchFamily="34" charset="0"/>
+                <a:ea typeface="+mn-ea"/>
+                <a:cs typeface="Arial" pitchFamily="34" charset="0"/>
+              </a:rPr>
+              <a:t>63091 Social Media Analytics</a:t>
+            </a:r>
           </a:p>
           <a:p>
             <a:pPr marL="0" marR="0" lvl="0" indent="0" algn="l" defTabSz="914400" rtl="0" eaLnBrk="1" fontAlgn="auto" latinLnBrk="0" hangingPunct="1">
@@ -7862,36 +8822,10 @@
               <a:defRPr/>
             </a:pPr>
             <a:r>
-              <a:rPr kumimoji="0" lang="sv-SE" sz="800" b="0" i="0" u="none" strike="noStrike" kern="1200" cap="none" spc="0" normalizeH="0" baseline="0" noProof="0" dirty="0">
-                <a:ln>
-                  <a:noFill/>
-                </a:ln>
-                <a:solidFill>
-                  <a:schemeClr val="tx1"/>
-                </a:solidFill>
-                <a:effectLst/>
-                <a:uLnTx/>
-                <a:uFillTx/>
-                <a:latin typeface="Arial" pitchFamily="34" charset="0"/>
-                <a:ea typeface="+mn-ea"/>
-                <a:cs typeface="Arial" pitchFamily="34" charset="0"/>
-              </a:rPr>
-              <a:t>DE ROSSI Saowalak / CASCAVILLA Elena / PLANCHEREL Octave / NATER Quentin</a:t>
-            </a:r>
-            <a:endParaRPr kumimoji="0" lang="de-DE" sz="800" b="1" i="0" u="none" strike="noStrike" kern="1200" cap="all" spc="0" normalizeH="0" baseline="0" noProof="0" dirty="0">
-              <a:ln>
-                <a:noFill/>
-              </a:ln>
-              <a:solidFill>
-                <a:schemeClr val="tx1"/>
-              </a:solidFill>
-              <a:effectLst/>
-              <a:uLnTx/>
-              <a:uFillTx/>
-              <a:latin typeface="Arial" pitchFamily="34" charset="0"/>
-              <a:ea typeface="+mn-ea"/>
-              <a:cs typeface="Arial" pitchFamily="34" charset="0"/>
-            </a:endParaRPr>
+              <a:rPr lang="sv-SE" sz="800" dirty="0"/>
+              <a:t>CARONI Sophie / CAZZATO Emmanuel / NATER Quentin</a:t>
+            </a:r>
+            <a:endParaRPr lang="de-CH" sz="800" dirty="0"/>
           </a:p>
         </p:txBody>
       </p:sp>
@@ -8327,17 +9261,205 @@
             <a:pPr lvl="3"/>
             <a:r>
               <a:rPr lang="sv-SE" dirty="0"/>
-              <a:t>CARONI Sophie / CAZZATO Emmanuel / NATER Quentin / </a:t>
-            </a:r>
-            <a:r>
-              <a:rPr lang="sv-SE" strike="sngStrike" baseline="30000" dirty="0"/>
-              <a:t>De LUIGI Matilde </a:t>
+              <a:t>CARONI Sophie / CAZZATO Emmanuel / NATER Quentin</a:t>
             </a:r>
             <a:endParaRPr lang="de-CH" dirty="0"/>
           </a:p>
         </p:txBody>
       </p:sp>
     </p:spTree>
+  </p:cSld>
+  <p:clrMapOvr>
+    <a:masterClrMapping/>
+  </p:clrMapOvr>
+</p:sld>
+</file>
+
+<file path=ppt/slides/slide10.xml><?xml version="1.0" encoding="utf-8"?>
+<p:sld xmlns:a="http://schemas.openxmlformats.org/drawingml/2006/main" xmlns:r="http://schemas.openxmlformats.org/officeDocument/2006/relationships" xmlns:p="http://schemas.openxmlformats.org/presentationml/2006/main">
+  <p:cSld>
+    <p:spTree>
+      <p:nvGrpSpPr>
+        <p:cNvPr id="1" name=""/>
+        <p:cNvGrpSpPr/>
+        <p:nvPr/>
+      </p:nvGrpSpPr>
+      <p:grpSpPr>
+        <a:xfrm>
+          <a:off x="0" y="0"/>
+          <a:ext cx="0" cy="0"/>
+          <a:chOff x="0" y="0"/>
+          <a:chExt cx="0" cy="0"/>
+        </a:xfrm>
+      </p:grpSpPr>
+      <p:pic>
+        <p:nvPicPr>
+          <p:cNvPr id="13" name="Picture 12">
+            <a:extLst>
+              <a:ext uri="{FF2B5EF4-FFF2-40B4-BE49-F238E27FC236}">
+                <a16:creationId xmlns:a16="http://schemas.microsoft.com/office/drawing/2014/main" id="{FC259EED-BFA0-E7C1-BA03-66254FE5FFE0}"/>
+              </a:ext>
+            </a:extLst>
+          </p:cNvPr>
+          <p:cNvPicPr>
+            <a:picLocks noChangeAspect="1"/>
+          </p:cNvPicPr>
+          <p:nvPr/>
+        </p:nvPicPr>
+        <p:blipFill>
+          <a:blip r:embed="rId3"/>
+          <a:stretch>
+            <a:fillRect/>
+          </a:stretch>
+        </p:blipFill>
+        <p:spPr>
+          <a:xfrm>
+            <a:off x="-180528" y="-2499356"/>
+            <a:ext cx="9361040" cy="8736668"/>
+          </a:xfrm>
+          <a:prstGeom prst="rect">
+            <a:avLst/>
+          </a:prstGeom>
+        </p:spPr>
+      </p:pic>
+      <p:sp>
+        <p:nvSpPr>
+          <p:cNvPr id="2" name="Inhaltsplatzhalter 1"/>
+          <p:cNvSpPr>
+            <a:spLocks noGrp="1"/>
+          </p:cNvSpPr>
+          <p:nvPr>
+            <p:ph type="title"/>
+          </p:nvPr>
+        </p:nvSpPr>
+        <p:spPr>
+          <a:xfrm>
+            <a:off x="215900" y="398765"/>
+            <a:ext cx="8712200" cy="673199"/>
+          </a:xfrm>
+        </p:spPr>
+        <p:txBody>
+          <a:bodyPr anchor="t">
+            <a:normAutofit/>
+          </a:bodyPr>
+          <a:lstStyle/>
+          <a:p>
+            <a:r>
+              <a:rPr lang="de-CH" dirty="0" err="1">
+                <a:solidFill>
+                  <a:schemeClr val="bg1"/>
+                </a:solidFill>
+              </a:rPr>
+              <a:t>questions</a:t>
+            </a:r>
+            <a:endParaRPr lang="de-CH" dirty="0">
+              <a:solidFill>
+                <a:schemeClr val="bg1"/>
+              </a:solidFill>
+            </a:endParaRPr>
+          </a:p>
+        </p:txBody>
+      </p:sp>
+      <p:pic>
+        <p:nvPicPr>
+          <p:cNvPr id="2050" name="Picture 2">
+            <a:extLst>
+              <a:ext uri="{FF2B5EF4-FFF2-40B4-BE49-F238E27FC236}">
+                <a16:creationId xmlns:a16="http://schemas.microsoft.com/office/drawing/2014/main" id="{E7F8C18D-92F3-7566-66DC-74496129EDDE}"/>
+              </a:ext>
+            </a:extLst>
+          </p:cNvPr>
+          <p:cNvPicPr>
+            <a:picLocks noChangeAspect="1" noChangeArrowheads="1"/>
+          </p:cNvPicPr>
+          <p:nvPr/>
+        </p:nvPicPr>
+        <p:blipFill>
+          <a:blip r:embed="rId4">
+            <a:extLst>
+              <a:ext uri="{28A0092B-C50C-407E-A947-70E740481C1C}">
+                <a14:useLocalDpi xmlns:a14="http://schemas.microsoft.com/office/drawing/2010/main" val="0"/>
+              </a:ext>
+            </a:extLst>
+          </a:blip>
+          <a:srcRect/>
+          <a:stretch>
+            <a:fillRect/>
+          </a:stretch>
+        </p:blipFill>
+        <p:spPr bwMode="auto">
+          <a:xfrm>
+            <a:off x="1763688" y="1196752"/>
+            <a:ext cx="2381250" cy="2381250"/>
+          </a:xfrm>
+          <a:prstGeom prst="rect">
+            <a:avLst/>
+          </a:prstGeom>
+          <a:noFill/>
+          <a:extLst>
+            <a:ext uri="{909E8E84-426E-40DD-AFC4-6F175D3DCCD1}">
+              <a14:hiddenFill xmlns:a14="http://schemas.microsoft.com/office/drawing/2010/main">
+                <a:solidFill>
+                  <a:srgbClr val="FFFFFF"/>
+                </a:solidFill>
+              </a14:hiddenFill>
+            </a:ext>
+          </a:extLst>
+        </p:spPr>
+      </p:pic>
+      <p:pic>
+        <p:nvPicPr>
+          <p:cNvPr id="4" name="Picture 3" descr="Amazon logo (png symbol icon) orange">
+            <a:extLst>
+              <a:ext uri="{FF2B5EF4-FFF2-40B4-BE49-F238E27FC236}">
+                <a16:creationId xmlns:a16="http://schemas.microsoft.com/office/drawing/2014/main" id="{D18160C1-CBF9-BE70-7ABB-6EA324D39A5B}"/>
+              </a:ext>
+            </a:extLst>
+          </p:cNvPr>
+          <p:cNvPicPr>
+            <a:picLocks noChangeAspect="1" noChangeArrowheads="1"/>
+          </p:cNvPicPr>
+          <p:nvPr/>
+        </p:nvPicPr>
+        <p:blipFill>
+          <a:blip r:embed="rId5" cstate="print">
+            <a:extLst>
+              <a:ext uri="{28A0092B-C50C-407E-A947-70E740481C1C}">
+                <a14:useLocalDpi xmlns:a14="http://schemas.microsoft.com/office/drawing/2010/main" val="0"/>
+              </a:ext>
+            </a:extLst>
+          </a:blip>
+          <a:srcRect/>
+          <a:stretch>
+            <a:fillRect/>
+          </a:stretch>
+        </p:blipFill>
+        <p:spPr bwMode="auto">
+          <a:xfrm>
+            <a:off x="107504" y="4581128"/>
+            <a:ext cx="1502296" cy="1502296"/>
+          </a:xfrm>
+          <a:prstGeom prst="rect">
+            <a:avLst/>
+          </a:prstGeom>
+          <a:noFill/>
+          <a:extLst>
+            <a:ext uri="{909E8E84-426E-40DD-AFC4-6F175D3DCCD1}">
+              <a14:hiddenFill xmlns:a14="http://schemas.microsoft.com/office/drawing/2010/main">
+                <a:solidFill>
+                  <a:srgbClr val="FFFFFF"/>
+                </a:solidFill>
+              </a14:hiddenFill>
+            </a:ext>
+          </a:extLst>
+        </p:spPr>
+      </p:pic>
+    </p:spTree>
+    <p:extLst>
+      <p:ext uri="{BB962C8B-B14F-4D97-AF65-F5344CB8AC3E}">
+        <p14:creationId xmlns:p14="http://schemas.microsoft.com/office/powerpoint/2010/main" val="3381030868"/>
+      </p:ext>
+    </p:extLst>
   </p:cSld>
   <p:clrMapOvr>
     <a:masterClrMapping/>
@@ -8468,7 +9590,7 @@
           <p:nvPr>
             <p:extLst>
               <p:ext uri="{D42A27DB-BD31-4B8C-83A1-F6EECF244321}">
-                <p14:modId xmlns:p14="http://schemas.microsoft.com/office/powerpoint/2010/main" val="3760372505"/>
+                <p14:modId xmlns:p14="http://schemas.microsoft.com/office/powerpoint/2010/main" val="2472364112"/>
               </p:ext>
             </p:extLst>
           </p:nvPr>
@@ -8561,20 +9683,12 @@
           <a:lstStyle/>
           <a:p>
             <a:r>
-              <a:rPr lang="de-CH" dirty="0">
+              <a:rPr lang="de-CH" dirty="0" err="1">
                 <a:solidFill>
                   <a:schemeClr val="bg1"/>
                 </a:solidFill>
               </a:rPr>
-              <a:t>Main </a:t>
-            </a:r>
-            <a:r>
-              <a:rPr lang="de-CH" dirty="0" err="1">
-                <a:solidFill>
-                  <a:schemeClr val="bg1"/>
-                </a:solidFill>
-              </a:rPr>
-              <a:t>idea</a:t>
+              <a:t>dataset</a:t>
             </a:r>
             <a:endParaRPr lang="de-CH" dirty="0">
               <a:solidFill>
@@ -8670,8 +9784,14 @@
                   <a:schemeClr val="bg1"/>
                 </a:solidFill>
               </a:rPr>
-              <a:t>Find the most popular products by connecting them to their similar ones.</a:t>
-            </a:r>
+              <a:t>Amazon product co-purchasing network metadata :</a:t>
+            </a:r>
+            <a:endParaRPr lang="fr-CH" sz="2000" dirty="0">
+              <a:solidFill>
+                <a:schemeClr val="bg1"/>
+              </a:solidFill>
+              <a:hlinkClick r:id="rId5"/>
+            </a:endParaRPr>
           </a:p>
           <a:p>
             <a:pPr>
@@ -8679,31 +9799,23 @@
                 <a:spcPts val="2700"/>
               </a:lnSpc>
             </a:pPr>
-            <a:endParaRPr lang="en-GB" sz="2000" dirty="0">
-              <a:solidFill>
-                <a:schemeClr val="bg1"/>
-              </a:solidFill>
-            </a:endParaRPr>
-          </a:p>
-          <a:p>
-            <a:pPr>
-              <a:lnSpc>
-                <a:spcPts val="2700"/>
-              </a:lnSpc>
-            </a:pPr>
-            <a:r>
-              <a:rPr lang="en-GB" sz="2000" dirty="0">
+            <a:r>
+              <a:rPr lang="fr-CH" sz="2000" dirty="0">
                 <a:solidFill>
                   <a:schemeClr val="bg1"/>
                 </a:solidFill>
-              </a:rPr>
-              <a:t>Compare with sales and/or reviews</a:t>
-            </a:r>
-            <a:endParaRPr lang="fr-CH" sz="2000" dirty="0">
-              <a:solidFill>
-                <a:schemeClr val="bg1"/>
-              </a:solidFill>
-            </a:endParaRPr>
+                <a:hlinkClick r:id="rId5"/>
+              </a:rPr>
+              <a:t>http://snap.stanford.edu/data/amazon-meta.html</a:t>
+            </a:r>
+            <a:r>
+              <a:rPr lang="fr-CH" sz="2000" dirty="0">
+                <a:solidFill>
+                  <a:schemeClr val="bg1"/>
+                </a:solidFill>
+              </a:rPr>
+              <a:t> </a:t>
+            </a:r>
           </a:p>
         </p:txBody>
       </p:sp>
@@ -8722,7 +9834,7 @@
           <p:nvPr/>
         </p:nvPicPr>
         <p:blipFill>
-          <a:blip r:embed="rId5" cstate="print">
+          <a:blip r:embed="rId6" cstate="print">
             <a:extLst>
               <a:ext uri="{28A0092B-C50C-407E-A947-70E740481C1C}">
                 <a14:useLocalDpi xmlns:a14="http://schemas.microsoft.com/office/drawing/2010/main" val="0"/>
@@ -8755,6 +9867,11 @@
         </p:spPr>
       </p:pic>
     </p:spTree>
+    <p:extLst>
+      <p:ext uri="{BB962C8B-B14F-4D97-AF65-F5344CB8AC3E}">
+        <p14:creationId xmlns:p14="http://schemas.microsoft.com/office/powerpoint/2010/main" val="542914134"/>
+      </p:ext>
+    </p:extLst>
   </p:cSld>
   <p:clrMapOvr>
     <a:masterClrMapping/>
@@ -8801,8 +9918,8 @@
         </p:blipFill>
         <p:spPr>
           <a:xfrm>
-            <a:off x="-180528" y="-2499356"/>
-            <a:ext cx="9361040" cy="8736668"/>
+            <a:off x="-180528" y="-16814050"/>
+            <a:ext cx="24698744" cy="23051362"/>
           </a:xfrm>
           <a:prstGeom prst="rect">
             <a:avLst/>
@@ -8837,55 +9954,7 @@
                   <a:schemeClr val="bg1"/>
                 </a:solidFill>
               </a:rPr>
-              <a:t>Component</a:t>
-            </a:r>
-            <a:r>
-              <a:rPr lang="de-CH" dirty="0">
-                <a:solidFill>
-                  <a:schemeClr val="bg1"/>
-                </a:solidFill>
-              </a:rPr>
-              <a:t> </a:t>
-            </a:r>
-            <a:r>
-              <a:rPr lang="de-CH" dirty="0" err="1">
-                <a:solidFill>
-                  <a:schemeClr val="bg1"/>
-                </a:solidFill>
-              </a:rPr>
-              <a:t>of</a:t>
-            </a:r>
-            <a:r>
-              <a:rPr lang="de-CH" dirty="0">
-                <a:solidFill>
-                  <a:schemeClr val="bg1"/>
-                </a:solidFill>
-              </a:rPr>
-              <a:t> </a:t>
-            </a:r>
-            <a:r>
-              <a:rPr lang="de-CH" dirty="0" err="1">
-                <a:solidFill>
-                  <a:schemeClr val="bg1"/>
-                </a:solidFill>
-              </a:rPr>
-              <a:t>the</a:t>
-            </a:r>
-            <a:r>
-              <a:rPr lang="de-CH" dirty="0">
-                <a:solidFill>
-                  <a:schemeClr val="bg1"/>
-                </a:solidFill>
-              </a:rPr>
-              <a:t> </a:t>
-            </a:r>
-            <a:r>
-              <a:rPr lang="de-CH" dirty="0" err="1">
-                <a:solidFill>
-                  <a:schemeClr val="bg1"/>
-                </a:solidFill>
-              </a:rPr>
-              <a:t>project</a:t>
+              <a:t>dataset</a:t>
             </a:r>
             <a:endParaRPr lang="de-CH" dirty="0">
               <a:solidFill>
@@ -8895,6 +9964,53 @@
           </a:p>
         </p:txBody>
       </p:sp>
+      <p:pic>
+        <p:nvPicPr>
+          <p:cNvPr id="1026" name="Picture 2">
+            <a:extLst>
+              <a:ext uri="{FF2B5EF4-FFF2-40B4-BE49-F238E27FC236}">
+                <a16:creationId xmlns:a16="http://schemas.microsoft.com/office/drawing/2014/main" id="{C4038DDF-B5E5-A8CC-4352-CB2A68FD04FD}"/>
+              </a:ext>
+            </a:extLst>
+          </p:cNvPr>
+          <p:cNvPicPr>
+            <a:picLocks noChangeAspect="1" noChangeArrowheads="1"/>
+          </p:cNvPicPr>
+          <p:nvPr/>
+        </p:nvPicPr>
+        <p:blipFill>
+          <a:blip r:embed="rId4" cstate="print">
+            <a:extLst>
+              <a:ext uri="{28A0092B-C50C-407E-A947-70E740481C1C}">
+                <a14:useLocalDpi xmlns:a14="http://schemas.microsoft.com/office/drawing/2010/main" val="0"/>
+              </a:ext>
+            </a:extLst>
+          </a:blip>
+          <a:srcRect/>
+          <a:stretch>
+            <a:fillRect/>
+          </a:stretch>
+        </p:blipFill>
+        <p:spPr bwMode="auto">
+          <a:xfrm>
+            <a:off x="4499992" y="396788"/>
+            <a:ext cx="962868" cy="1055198"/>
+          </a:xfrm>
+          <a:prstGeom prst="rect">
+            <a:avLst/>
+          </a:prstGeom>
+          <a:noFill/>
+          <a:extLst>
+            <a:ext uri="{909E8E84-426E-40DD-AFC4-6F175D3DCCD1}">
+              <a14:hiddenFill xmlns:a14="http://schemas.microsoft.com/office/drawing/2010/main">
+                <a:solidFill>
+                  <a:srgbClr val="FFFFFF"/>
+                </a:solidFill>
+              </a14:hiddenFill>
+            </a:ext>
+          </a:extLst>
+        </p:spPr>
+      </p:pic>
       <p:sp>
         <p:nvSpPr>
           <p:cNvPr id="7" name="TextBox 6">
@@ -8923,103 +10039,58 @@
           </a:bodyPr>
           <a:lstStyle/>
           <a:p>
-            <a:pPr marL="342900" indent="-342900">
+            <a:pPr>
               <a:lnSpc>
                 <a:spcPts val="2700"/>
               </a:lnSpc>
-              <a:buFont typeface="Arial" panose="020B0604020202020204" pitchFamily="34" charset="0"/>
-              <a:buChar char="•"/>
             </a:pPr>
             <a:r>
-              <a:rPr lang="en-GB" sz="2000" b="1" dirty="0">
+              <a:rPr lang="en-GB" sz="2000" dirty="0">
                 <a:solidFill>
                   <a:schemeClr val="bg1"/>
                 </a:solidFill>
               </a:rPr>
-              <a:t>Community detection</a:t>
-            </a:r>
-          </a:p>
-          <a:p>
-            <a:pPr marL="342900" indent="-342900">
-              <a:lnSpc>
-                <a:spcPts val="2700"/>
-              </a:lnSpc>
-              <a:buFont typeface="Arial" panose="020B0604020202020204" pitchFamily="34" charset="0"/>
-              <a:buChar char="•"/>
-            </a:pPr>
-            <a:r>
-              <a:rPr lang="en-GB" sz="2000" dirty="0">
-                <a:solidFill>
-                  <a:schemeClr val="bg1"/>
-                </a:solidFill>
-              </a:rPr>
-              <a:t>Network exploration</a:t>
-            </a:r>
-          </a:p>
-          <a:p>
-            <a:pPr marL="342900" indent="-342900">
-              <a:lnSpc>
-                <a:spcPts val="2700"/>
-              </a:lnSpc>
-              <a:buFont typeface="Arial" panose="020B0604020202020204" pitchFamily="34" charset="0"/>
-              <a:buChar char="•"/>
-            </a:pPr>
-            <a:r>
-              <a:rPr lang="en-GB" sz="2000" dirty="0">
-                <a:solidFill>
-                  <a:schemeClr val="bg1"/>
-                </a:solidFill>
-              </a:rPr>
-              <a:t>Network visualization</a:t>
-            </a:r>
-          </a:p>
-          <a:p>
-            <a:pPr marL="342900" indent="-342900">
-              <a:lnSpc>
-                <a:spcPts val="2700"/>
-              </a:lnSpc>
-              <a:buFont typeface="Arial" panose="020B0604020202020204" pitchFamily="34" charset="0"/>
-              <a:buChar char="•"/>
-            </a:pPr>
-            <a:r>
-              <a:rPr lang="en-GB" sz="2000" dirty="0">
-                <a:solidFill>
-                  <a:schemeClr val="bg1"/>
-                </a:solidFill>
-              </a:rPr>
-              <a:t>Graph persistence</a:t>
-            </a:r>
-          </a:p>
-          <a:p>
-            <a:pPr marL="342900" indent="-342900">
-              <a:lnSpc>
-                <a:spcPts val="2700"/>
-              </a:lnSpc>
-              <a:buFont typeface="Arial" panose="020B0604020202020204" pitchFamily="34" charset="0"/>
-              <a:buChar char="•"/>
-            </a:pPr>
-            <a:r>
-              <a:rPr lang="en-GB" sz="2000" dirty="0">
-                <a:solidFill>
-                  <a:schemeClr val="bg1"/>
-                </a:solidFill>
-              </a:rPr>
-              <a:t>Data enrichment</a:t>
+              <a:t>Amazon product co-purchasing network metadata :</a:t>
             </a:r>
             <a:endParaRPr lang="fr-CH" sz="2000" dirty="0">
               <a:solidFill>
                 <a:schemeClr val="bg1"/>
               </a:solidFill>
+              <a:hlinkClick r:id="rId5"/>
             </a:endParaRPr>
+          </a:p>
+          <a:p>
+            <a:pPr>
+              <a:lnSpc>
+                <a:spcPts val="2700"/>
+              </a:lnSpc>
+            </a:pPr>
+            <a:r>
+              <a:rPr lang="fr-CH" sz="2000" dirty="0">
+                <a:solidFill>
+                  <a:schemeClr val="bg1"/>
+                </a:solidFill>
+                <a:hlinkClick r:id="rId5"/>
+              </a:rPr>
+              <a:t>http://snap.stanford.edu/data/amazon-meta.html</a:t>
+            </a:r>
+            <a:r>
+              <a:rPr lang="fr-CH" sz="2000" dirty="0">
+                <a:solidFill>
+                  <a:schemeClr val="bg1"/>
+                </a:solidFill>
+              </a:rPr>
+              <a:t> </a:t>
+            </a:r>
           </a:p>
         </p:txBody>
       </p:sp>
       <p:pic>
         <p:nvPicPr>
-          <p:cNvPr id="4" name="Picture 3" descr="Amazon logo (png symbol icon) orange">
+          <p:cNvPr id="3" name="Picture 2" descr="Amazon logo (png symbol icon) orange">
             <a:extLst>
               <a:ext uri="{FF2B5EF4-FFF2-40B4-BE49-F238E27FC236}">
-                <a16:creationId xmlns:a16="http://schemas.microsoft.com/office/drawing/2014/main" id="{93205CE4-21FB-ABED-0104-755E863C738F}"/>
+                <a16:creationId xmlns:a16="http://schemas.microsoft.com/office/drawing/2014/main" id="{7CB8D8D6-24C5-C59D-F67B-6F14432C81F1}"/>
               </a:ext>
             </a:extLst>
           </p:cNvPr>
@@ -9029,7 +10100,7 @@
           <p:nvPr/>
         </p:nvPicPr>
         <p:blipFill>
-          <a:blip r:embed="rId4" cstate="print">
+          <a:blip r:embed="rId6" cstate="print">
             <a:extLst>
               <a:ext uri="{28A0092B-C50C-407E-A947-70E740481C1C}">
                 <a14:useLocalDpi xmlns:a14="http://schemas.microsoft.com/office/drawing/2010/main" val="0"/>
@@ -9061,10 +10132,57 @@
           </a:extLst>
         </p:spPr>
       </p:pic>
+      <p:pic>
+        <p:nvPicPr>
+          <p:cNvPr id="4" name="Picture 2">
+            <a:extLst>
+              <a:ext uri="{FF2B5EF4-FFF2-40B4-BE49-F238E27FC236}">
+                <a16:creationId xmlns:a16="http://schemas.microsoft.com/office/drawing/2014/main" id="{DCC7B75C-55F8-E8B1-CD79-2AC7731ADF19}"/>
+              </a:ext>
+            </a:extLst>
+          </p:cNvPr>
+          <p:cNvPicPr>
+            <a:picLocks noChangeAspect="1" noChangeArrowheads="1"/>
+          </p:cNvPicPr>
+          <p:nvPr/>
+        </p:nvPicPr>
+        <p:blipFill>
+          <a:blip r:embed="rId7">
+            <a:extLst>
+              <a:ext uri="{28A0092B-C50C-407E-A947-70E740481C1C}">
+                <a14:useLocalDpi xmlns:a14="http://schemas.microsoft.com/office/drawing/2010/main" val="0"/>
+              </a:ext>
+            </a:extLst>
+          </a:blip>
+          <a:srcRect/>
+          <a:stretch>
+            <a:fillRect/>
+          </a:stretch>
+        </p:blipFill>
+        <p:spPr bwMode="auto">
+          <a:xfrm>
+            <a:off x="5076056" y="2852936"/>
+            <a:ext cx="3638550" cy="3219450"/>
+          </a:xfrm>
+          <a:prstGeom prst="rect">
+            <a:avLst/>
+          </a:prstGeom>
+          <a:noFill/>
+          <a:extLst>
+            <a:ext uri="{909E8E84-426E-40DD-AFC4-6F175D3DCCD1}">
+              <a14:hiddenFill xmlns:a14="http://schemas.microsoft.com/office/drawing/2010/main">
+                <a:solidFill>
+                  <a:srgbClr val="FFFFFF"/>
+                </a:solidFill>
+              </a14:hiddenFill>
+            </a:ext>
+          </a:extLst>
+        </p:spPr>
+      </p:pic>
     </p:spTree>
     <p:extLst>
       <p:ext uri="{BB962C8B-B14F-4D97-AF65-F5344CB8AC3E}">
-        <p14:creationId xmlns:p14="http://schemas.microsoft.com/office/powerpoint/2010/main" val="3842464269"/>
+        <p14:creationId xmlns:p14="http://schemas.microsoft.com/office/powerpoint/2010/main" val="1076712447"/>
       </p:ext>
     </p:extLst>
   </p:cSld>
@@ -9113,8 +10231,8 @@
         </p:blipFill>
         <p:spPr>
           <a:xfrm>
-            <a:off x="-180528" y="-2499356"/>
-            <a:ext cx="9361040" cy="8736668"/>
+            <a:off x="-180528" y="-16814050"/>
+            <a:ext cx="24698744" cy="23051362"/>
           </a:xfrm>
           <a:prstGeom prst="rect">
             <a:avLst/>
@@ -9144,20 +10262,12 @@
           <a:lstStyle/>
           <a:p>
             <a:r>
-              <a:rPr lang="de-CH" dirty="0">
+              <a:rPr lang="de-CH" dirty="0" err="1">
                 <a:solidFill>
                   <a:schemeClr val="bg1"/>
                 </a:solidFill>
               </a:rPr>
-              <a:t>Data </a:t>
-            </a:r>
-            <a:r>
-              <a:rPr lang="de-CH" dirty="0" err="1">
-                <a:solidFill>
-                  <a:schemeClr val="bg1"/>
-                </a:solidFill>
-              </a:rPr>
-              <a:t>description</a:t>
+              <a:t>dataset</a:t>
             </a:r>
             <a:endParaRPr lang="de-CH" dirty="0">
               <a:solidFill>
@@ -9167,6 +10277,53 @@
           </a:p>
         </p:txBody>
       </p:sp>
+      <p:pic>
+        <p:nvPicPr>
+          <p:cNvPr id="1026" name="Picture 2">
+            <a:extLst>
+              <a:ext uri="{FF2B5EF4-FFF2-40B4-BE49-F238E27FC236}">
+                <a16:creationId xmlns:a16="http://schemas.microsoft.com/office/drawing/2014/main" id="{C4038DDF-B5E5-A8CC-4352-CB2A68FD04FD}"/>
+              </a:ext>
+            </a:extLst>
+          </p:cNvPr>
+          <p:cNvPicPr>
+            <a:picLocks noChangeAspect="1" noChangeArrowheads="1"/>
+          </p:cNvPicPr>
+          <p:nvPr/>
+        </p:nvPicPr>
+        <p:blipFill>
+          <a:blip r:embed="rId4" cstate="print">
+            <a:extLst>
+              <a:ext uri="{28A0092B-C50C-407E-A947-70E740481C1C}">
+                <a14:useLocalDpi xmlns:a14="http://schemas.microsoft.com/office/drawing/2010/main" val="0"/>
+              </a:ext>
+            </a:extLst>
+          </a:blip>
+          <a:srcRect/>
+          <a:stretch>
+            <a:fillRect/>
+          </a:stretch>
+        </p:blipFill>
+        <p:spPr bwMode="auto">
+          <a:xfrm>
+            <a:off x="4499992" y="396788"/>
+            <a:ext cx="962868" cy="1055198"/>
+          </a:xfrm>
+          <a:prstGeom prst="rect">
+            <a:avLst/>
+          </a:prstGeom>
+          <a:noFill/>
+          <a:extLst>
+            <a:ext uri="{909E8E84-426E-40DD-AFC4-6F175D3DCCD1}">
+              <a14:hiddenFill xmlns:a14="http://schemas.microsoft.com/office/drawing/2010/main">
+                <a:solidFill>
+                  <a:srgbClr val="FFFFFF"/>
+                </a:solidFill>
+              </a14:hiddenFill>
+            </a:ext>
+          </a:extLst>
+        </p:spPr>
+      </p:pic>
       <p:sp>
         <p:nvSpPr>
           <p:cNvPr id="7" name="TextBox 6">
@@ -9201,13 +10358,19 @@
               </a:lnSpc>
             </a:pPr>
             <a:r>
-              <a:rPr lang="en-GB" sz="2000" b="1" dirty="0">
+              <a:rPr lang="en-GB" sz="2000" dirty="0">
                 <a:solidFill>
                   <a:schemeClr val="bg1"/>
                 </a:solidFill>
               </a:rPr>
-              <a:t>Node : Products</a:t>
-            </a:r>
+              <a:t>Amazon product co-purchasing network metadata :</a:t>
+            </a:r>
+            <a:endParaRPr lang="fr-CH" sz="2000" dirty="0">
+              <a:solidFill>
+                <a:schemeClr val="bg1"/>
+              </a:solidFill>
+              <a:hlinkClick r:id="rId5"/>
+            </a:endParaRPr>
           </a:p>
           <a:p>
             <a:pPr>
@@ -9216,27 +10379,31 @@
               </a:lnSpc>
             </a:pPr>
             <a:r>
-              <a:rPr lang="en-GB" sz="2000" b="1" dirty="0">
+              <a:rPr lang="fr-CH" sz="2000" dirty="0">
                 <a:solidFill>
                   <a:schemeClr val="bg1"/>
                 </a:solidFill>
-              </a:rPr>
-              <a:t>Edge : Similar products list</a:t>
-            </a:r>
-            <a:endParaRPr lang="fr-CH" sz="2000" b="1" dirty="0">
-              <a:solidFill>
-                <a:schemeClr val="bg1"/>
-              </a:solidFill>
-            </a:endParaRPr>
+                <a:hlinkClick r:id="rId5"/>
+              </a:rPr>
+              <a:t>http://snap.stanford.edu/data/amazon-meta.html</a:t>
+            </a:r>
+            <a:r>
+              <a:rPr lang="fr-CH" sz="2000" dirty="0">
+                <a:solidFill>
+                  <a:schemeClr val="bg1"/>
+                </a:solidFill>
+              </a:rPr>
+              <a:t> </a:t>
+            </a:r>
           </a:p>
         </p:txBody>
       </p:sp>
       <p:pic>
         <p:nvPicPr>
-          <p:cNvPr id="4" name="Picture 3" descr="Amazon logo (png symbol icon) orange">
+          <p:cNvPr id="3" name="Picture 2" descr="Amazon logo (png symbol icon) orange">
             <a:extLst>
               <a:ext uri="{FF2B5EF4-FFF2-40B4-BE49-F238E27FC236}">
-                <a16:creationId xmlns:a16="http://schemas.microsoft.com/office/drawing/2014/main" id="{63605357-D841-638E-8AAA-113412588428}"/>
+                <a16:creationId xmlns:a16="http://schemas.microsoft.com/office/drawing/2014/main" id="{7CB8D8D6-24C5-C59D-F67B-6F14432C81F1}"/>
               </a:ext>
             </a:extLst>
           </p:cNvPr>
@@ -9246,7 +10413,7 @@
           <p:nvPr/>
         </p:nvPicPr>
         <p:blipFill>
-          <a:blip r:embed="rId4" cstate="print">
+          <a:blip r:embed="rId6" cstate="print">
             <a:extLst>
               <a:ext uri="{28A0092B-C50C-407E-A947-70E740481C1C}">
                 <a14:useLocalDpi xmlns:a14="http://schemas.microsoft.com/office/drawing/2010/main" val="0"/>
@@ -9278,10 +10445,495 @@
           </a:extLst>
         </p:spPr>
       </p:pic>
+      <p:sp>
+        <p:nvSpPr>
+          <p:cNvPr id="12" name="TextBox 11">
+            <a:extLst>
+              <a:ext uri="{FF2B5EF4-FFF2-40B4-BE49-F238E27FC236}">
+                <a16:creationId xmlns:a16="http://schemas.microsoft.com/office/drawing/2014/main" id="{C0F5F6F8-854D-B75B-AF04-E9DFCBBBB9F6}"/>
+              </a:ext>
+            </a:extLst>
+          </p:cNvPr>
+          <p:cNvSpPr txBox="1"/>
+          <p:nvPr/>
+        </p:nvSpPr>
+        <p:spPr>
+          <a:xfrm>
+            <a:off x="1259632" y="2923598"/>
+            <a:ext cx="12349368" cy="2308324"/>
+          </a:xfrm>
+          <a:prstGeom prst="rect">
+            <a:avLst/>
+          </a:prstGeom>
+          <a:noFill/>
+        </p:spPr>
+        <p:txBody>
+          <a:bodyPr wrap="square">
+            <a:spAutoFit/>
+          </a:bodyPr>
+          <a:lstStyle/>
+          <a:p>
+            <a:r>
+              <a:rPr lang="fr-CH" sz="1200" dirty="0">
+                <a:solidFill>
+                  <a:schemeClr val="bg1"/>
+                </a:solidFill>
+              </a:rPr>
+              <a:t>Id:   1</a:t>
+            </a:r>
+          </a:p>
+          <a:p>
+            <a:r>
+              <a:rPr lang="fr-CH" sz="1200" dirty="0">
+                <a:solidFill>
+                  <a:schemeClr val="bg1"/>
+                </a:solidFill>
+              </a:rPr>
+              <a:t>ASIN: 0827229534</a:t>
+            </a:r>
+          </a:p>
+          <a:p>
+            <a:r>
+              <a:rPr lang="fr-CH" sz="1200" dirty="0">
+                <a:solidFill>
+                  <a:schemeClr val="bg1"/>
+                </a:solidFill>
+              </a:rPr>
+              <a:t>  </a:t>
+            </a:r>
+            <a:r>
+              <a:rPr lang="fr-CH" sz="1200" dirty="0" err="1">
+                <a:solidFill>
+                  <a:schemeClr val="bg1"/>
+                </a:solidFill>
+              </a:rPr>
+              <a:t>title</a:t>
+            </a:r>
+            <a:r>
+              <a:rPr lang="fr-CH" sz="1200" dirty="0">
+                <a:solidFill>
+                  <a:schemeClr val="bg1"/>
+                </a:solidFill>
+              </a:rPr>
+              <a:t>: Patterns of </a:t>
+            </a:r>
+            <a:r>
+              <a:rPr lang="fr-CH" sz="1200" dirty="0" err="1">
+                <a:solidFill>
+                  <a:schemeClr val="bg1"/>
+                </a:solidFill>
+              </a:rPr>
+              <a:t>Preaching</a:t>
+            </a:r>
+            <a:r>
+              <a:rPr lang="fr-CH" sz="1200" dirty="0">
+                <a:solidFill>
+                  <a:schemeClr val="bg1"/>
+                </a:solidFill>
+              </a:rPr>
+              <a:t>: A Sermon Sampler</a:t>
+            </a:r>
+          </a:p>
+          <a:p>
+            <a:r>
+              <a:rPr lang="fr-CH" sz="1200" dirty="0">
+                <a:solidFill>
+                  <a:schemeClr val="bg1"/>
+                </a:solidFill>
+              </a:rPr>
+              <a:t>  group: Book</a:t>
+            </a:r>
+          </a:p>
+          <a:p>
+            <a:r>
+              <a:rPr lang="fr-CH" sz="1200" dirty="0">
+                <a:solidFill>
+                  <a:schemeClr val="bg1"/>
+                </a:solidFill>
+              </a:rPr>
+              <a:t>  </a:t>
+            </a:r>
+            <a:r>
+              <a:rPr lang="fr-CH" sz="1200" dirty="0" err="1">
+                <a:solidFill>
+                  <a:schemeClr val="bg1"/>
+                </a:solidFill>
+              </a:rPr>
+              <a:t>salesrank</a:t>
+            </a:r>
+            <a:r>
+              <a:rPr lang="fr-CH" sz="1200" dirty="0">
+                <a:solidFill>
+                  <a:schemeClr val="bg1"/>
+                </a:solidFill>
+              </a:rPr>
+              <a:t>: 396585</a:t>
+            </a:r>
+          </a:p>
+          <a:p>
+            <a:r>
+              <a:rPr lang="fr-CH" sz="1200" dirty="0">
+                <a:solidFill>
+                  <a:schemeClr val="bg1"/>
+                </a:solidFill>
+              </a:rPr>
+              <a:t>  </a:t>
+            </a:r>
+            <a:r>
+              <a:rPr lang="fr-CH" sz="1200" dirty="0" err="1">
+                <a:solidFill>
+                  <a:schemeClr val="bg1"/>
+                </a:solidFill>
+              </a:rPr>
+              <a:t>similar</a:t>
+            </a:r>
+            <a:r>
+              <a:rPr lang="fr-CH" sz="1200" dirty="0">
+                <a:solidFill>
+                  <a:schemeClr val="bg1"/>
+                </a:solidFill>
+              </a:rPr>
+              <a:t>: 5  0804215715  156101074X  0687023955  0687074231  082721619X</a:t>
+            </a:r>
+          </a:p>
+          <a:p>
+            <a:r>
+              <a:rPr lang="fr-CH" sz="1200" dirty="0">
+                <a:solidFill>
+                  <a:schemeClr val="bg1"/>
+                </a:solidFill>
+              </a:rPr>
+              <a:t>  </a:t>
+            </a:r>
+            <a:r>
+              <a:rPr lang="fr-CH" sz="1200" dirty="0" err="1">
+                <a:solidFill>
+                  <a:schemeClr val="bg1"/>
+                </a:solidFill>
+              </a:rPr>
+              <a:t>categories</a:t>
+            </a:r>
+            <a:r>
+              <a:rPr lang="fr-CH" sz="1200" dirty="0">
+                <a:solidFill>
+                  <a:schemeClr val="bg1"/>
+                </a:solidFill>
+              </a:rPr>
+              <a:t>: 2</a:t>
+            </a:r>
+          </a:p>
+          <a:p>
+            <a:r>
+              <a:rPr lang="fr-CH" sz="1200" dirty="0">
+                <a:solidFill>
+                  <a:schemeClr val="bg1"/>
+                </a:solidFill>
+              </a:rPr>
+              <a:t>   |Books[283155]|</a:t>
+            </a:r>
+            <a:r>
+              <a:rPr lang="fr-CH" sz="1200" dirty="0" err="1">
+                <a:solidFill>
+                  <a:schemeClr val="bg1"/>
+                </a:solidFill>
+              </a:rPr>
+              <a:t>Subjects</a:t>
+            </a:r>
+            <a:r>
+              <a:rPr lang="fr-CH" sz="1200" dirty="0">
+                <a:solidFill>
+                  <a:schemeClr val="bg1"/>
+                </a:solidFill>
+              </a:rPr>
+              <a:t>[1000]|Religion &amp; </a:t>
+            </a:r>
+            <a:r>
+              <a:rPr lang="fr-CH" sz="1200" dirty="0" err="1">
+                <a:solidFill>
+                  <a:schemeClr val="bg1"/>
+                </a:solidFill>
+              </a:rPr>
+              <a:t>Spirituality</a:t>
+            </a:r>
+            <a:r>
+              <a:rPr lang="fr-CH" sz="1200" dirty="0">
+                <a:solidFill>
+                  <a:schemeClr val="bg1"/>
+                </a:solidFill>
+              </a:rPr>
+              <a:t>[22]|</a:t>
+            </a:r>
+            <a:r>
+              <a:rPr lang="fr-CH" sz="1200" dirty="0" err="1">
+                <a:solidFill>
+                  <a:schemeClr val="bg1"/>
+                </a:solidFill>
+              </a:rPr>
+              <a:t>Christianity</a:t>
+            </a:r>
+            <a:r>
+              <a:rPr lang="fr-CH" sz="1200" dirty="0">
+                <a:solidFill>
+                  <a:schemeClr val="bg1"/>
+                </a:solidFill>
+              </a:rPr>
+              <a:t>[12290]|</a:t>
+            </a:r>
+            <a:r>
+              <a:rPr lang="fr-CH" sz="1200" dirty="0" err="1">
+                <a:solidFill>
+                  <a:schemeClr val="bg1"/>
+                </a:solidFill>
+              </a:rPr>
+              <a:t>Clergy</a:t>
+            </a:r>
+            <a:r>
+              <a:rPr lang="fr-CH" sz="1200" dirty="0">
+                <a:solidFill>
+                  <a:schemeClr val="bg1"/>
+                </a:solidFill>
+              </a:rPr>
+              <a:t>[12360]|</a:t>
+            </a:r>
+            <a:r>
+              <a:rPr lang="fr-CH" sz="1200" dirty="0" err="1">
+                <a:solidFill>
+                  <a:schemeClr val="bg1"/>
+                </a:solidFill>
+              </a:rPr>
+              <a:t>Preaching</a:t>
+            </a:r>
+            <a:r>
+              <a:rPr lang="fr-CH" sz="1200" dirty="0">
+                <a:solidFill>
+                  <a:schemeClr val="bg1"/>
+                </a:solidFill>
+              </a:rPr>
+              <a:t>[12368]</a:t>
+            </a:r>
+          </a:p>
+          <a:p>
+            <a:r>
+              <a:rPr lang="fr-CH" sz="1200" dirty="0">
+                <a:solidFill>
+                  <a:schemeClr val="bg1"/>
+                </a:solidFill>
+              </a:rPr>
+              <a:t>   |Books[283155]|</a:t>
+            </a:r>
+            <a:r>
+              <a:rPr lang="fr-CH" sz="1200" dirty="0" err="1">
+                <a:solidFill>
+                  <a:schemeClr val="bg1"/>
+                </a:solidFill>
+              </a:rPr>
+              <a:t>Subjects</a:t>
+            </a:r>
+            <a:r>
+              <a:rPr lang="fr-CH" sz="1200" dirty="0">
+                <a:solidFill>
+                  <a:schemeClr val="bg1"/>
+                </a:solidFill>
+              </a:rPr>
+              <a:t>[1000]|Religion &amp; </a:t>
+            </a:r>
+            <a:r>
+              <a:rPr lang="fr-CH" sz="1200" dirty="0" err="1">
+                <a:solidFill>
+                  <a:schemeClr val="bg1"/>
+                </a:solidFill>
+              </a:rPr>
+              <a:t>Spirituality</a:t>
+            </a:r>
+            <a:r>
+              <a:rPr lang="fr-CH" sz="1200" dirty="0">
+                <a:solidFill>
+                  <a:schemeClr val="bg1"/>
+                </a:solidFill>
+              </a:rPr>
+              <a:t>[22]|</a:t>
+            </a:r>
+            <a:r>
+              <a:rPr lang="fr-CH" sz="1200" dirty="0" err="1">
+                <a:solidFill>
+                  <a:schemeClr val="bg1"/>
+                </a:solidFill>
+              </a:rPr>
+              <a:t>Christianity</a:t>
+            </a:r>
+            <a:r>
+              <a:rPr lang="fr-CH" sz="1200" dirty="0">
+                <a:solidFill>
+                  <a:schemeClr val="bg1"/>
+                </a:solidFill>
+              </a:rPr>
+              <a:t>[12290]|</a:t>
+            </a:r>
+            <a:r>
+              <a:rPr lang="fr-CH" sz="1200" dirty="0" err="1">
+                <a:solidFill>
+                  <a:schemeClr val="bg1"/>
+                </a:solidFill>
+              </a:rPr>
+              <a:t>Clergy</a:t>
+            </a:r>
+            <a:r>
+              <a:rPr lang="fr-CH" sz="1200" dirty="0">
+                <a:solidFill>
+                  <a:schemeClr val="bg1"/>
+                </a:solidFill>
+              </a:rPr>
+              <a:t>[12360]|Sermons[12370]</a:t>
+            </a:r>
+          </a:p>
+          <a:p>
+            <a:r>
+              <a:rPr lang="fr-CH" sz="1200" dirty="0">
+                <a:solidFill>
+                  <a:schemeClr val="bg1"/>
+                </a:solidFill>
+              </a:rPr>
+              <a:t>  </a:t>
+            </a:r>
+            <a:r>
+              <a:rPr lang="fr-CH" sz="1200" dirty="0" err="1">
+                <a:solidFill>
+                  <a:schemeClr val="bg1"/>
+                </a:solidFill>
+              </a:rPr>
+              <a:t>reviews</a:t>
+            </a:r>
+            <a:r>
+              <a:rPr lang="fr-CH" sz="1200" dirty="0">
+                <a:solidFill>
+                  <a:schemeClr val="bg1"/>
+                </a:solidFill>
+              </a:rPr>
+              <a:t>: total: 2  </a:t>
+            </a:r>
+            <a:r>
+              <a:rPr lang="fr-CH" sz="1200" dirty="0" err="1">
+                <a:solidFill>
+                  <a:schemeClr val="bg1"/>
+                </a:solidFill>
+              </a:rPr>
+              <a:t>downloaded</a:t>
+            </a:r>
+            <a:r>
+              <a:rPr lang="fr-CH" sz="1200" dirty="0">
+                <a:solidFill>
+                  <a:schemeClr val="bg1"/>
+                </a:solidFill>
+              </a:rPr>
+              <a:t>: 2  </a:t>
+            </a:r>
+            <a:r>
+              <a:rPr lang="fr-CH" sz="1200" dirty="0" err="1">
+                <a:solidFill>
+                  <a:schemeClr val="bg1"/>
+                </a:solidFill>
+              </a:rPr>
+              <a:t>avg</a:t>
+            </a:r>
+            <a:r>
+              <a:rPr lang="fr-CH" sz="1200" dirty="0">
+                <a:solidFill>
+                  <a:schemeClr val="bg1"/>
+                </a:solidFill>
+              </a:rPr>
+              <a:t> rating: 5</a:t>
+            </a:r>
+          </a:p>
+          <a:p>
+            <a:r>
+              <a:rPr lang="fr-CH" sz="1200" dirty="0">
+                <a:solidFill>
+                  <a:schemeClr val="bg1"/>
+                </a:solidFill>
+              </a:rPr>
+              <a:t>    2000-7-28  </a:t>
+            </a:r>
+            <a:r>
+              <a:rPr lang="fr-CH" sz="1200" dirty="0" err="1">
+                <a:solidFill>
+                  <a:schemeClr val="bg1"/>
+                </a:solidFill>
+              </a:rPr>
+              <a:t>cutomer</a:t>
+            </a:r>
+            <a:r>
+              <a:rPr lang="fr-CH" sz="1200" dirty="0">
+                <a:solidFill>
+                  <a:schemeClr val="bg1"/>
+                </a:solidFill>
+              </a:rPr>
+              <a:t>: A2JW67OY8U6HHK  rating: 5  votes:  10  </a:t>
+            </a:r>
+            <a:r>
+              <a:rPr lang="fr-CH" sz="1200" dirty="0" err="1">
+                <a:solidFill>
+                  <a:schemeClr val="bg1"/>
+                </a:solidFill>
+              </a:rPr>
+              <a:t>helpful</a:t>
+            </a:r>
+            <a:r>
+              <a:rPr lang="fr-CH" sz="1200" dirty="0">
+                <a:solidFill>
+                  <a:schemeClr val="bg1"/>
+                </a:solidFill>
+              </a:rPr>
+              <a:t>:   9</a:t>
+            </a:r>
+          </a:p>
+          <a:p>
+            <a:r>
+              <a:rPr lang="fr-CH" sz="1200" dirty="0">
+                <a:solidFill>
+                  <a:schemeClr val="bg1"/>
+                </a:solidFill>
+              </a:rPr>
+              <a:t>    2003-12-14  </a:t>
+            </a:r>
+            <a:r>
+              <a:rPr lang="fr-CH" sz="1200" dirty="0" err="1">
+                <a:solidFill>
+                  <a:schemeClr val="bg1"/>
+                </a:solidFill>
+              </a:rPr>
+              <a:t>cutomer</a:t>
+            </a:r>
+            <a:r>
+              <a:rPr lang="fr-CH" sz="1200" dirty="0">
+                <a:solidFill>
+                  <a:schemeClr val="bg1"/>
+                </a:solidFill>
+              </a:rPr>
+              <a:t>: A2VE83MZF98ITY  rating: 5  votes:   6  </a:t>
+            </a:r>
+            <a:r>
+              <a:rPr lang="fr-CH" sz="1200" dirty="0" err="1">
+                <a:solidFill>
+                  <a:schemeClr val="bg1"/>
+                </a:solidFill>
+              </a:rPr>
+              <a:t>helpful</a:t>
+            </a:r>
+            <a:r>
+              <a:rPr lang="fr-CH" sz="1200" dirty="0">
+                <a:solidFill>
+                  <a:schemeClr val="bg1"/>
+                </a:solidFill>
+              </a:rPr>
+              <a:t>:   5</a:t>
+            </a:r>
+          </a:p>
+        </p:txBody>
+      </p:sp>
     </p:spTree>
     <p:extLst>
       <p:ext uri="{BB962C8B-B14F-4D97-AF65-F5344CB8AC3E}">
-        <p14:creationId xmlns:p14="http://schemas.microsoft.com/office/powerpoint/2010/main" val="2780644833"/>
+        <p14:creationId xmlns:p14="http://schemas.microsoft.com/office/powerpoint/2010/main" val="3610765793"/>
       </p:ext>
     </p:extLst>
   </p:cSld>
@@ -9366,7 +11018,7 @@
                   <a:schemeClr val="bg1"/>
                 </a:solidFill>
               </a:rPr>
-              <a:t>Type </a:t>
+              <a:t>Main </a:t>
             </a:r>
             <a:r>
               <a:rPr lang="de-CH" dirty="0" err="1">
@@ -9374,23 +11026,7 @@
                   <a:schemeClr val="bg1"/>
                 </a:solidFill>
               </a:rPr>
-              <a:t>of</a:t>
-            </a:r>
-            <a:r>
-              <a:rPr lang="de-CH" dirty="0">
-                <a:solidFill>
-                  <a:schemeClr val="bg1"/>
-                </a:solidFill>
-              </a:rPr>
-              <a:t> </a:t>
-            </a:r>
-            <a:r>
-              <a:rPr lang="de-CH" dirty="0" err="1">
-                <a:solidFill>
-                  <a:schemeClr val="bg1"/>
-                </a:solidFill>
-              </a:rPr>
-              <a:t>analytics</a:t>
+              <a:t>idea</a:t>
             </a:r>
             <a:endParaRPr lang="de-CH" dirty="0">
               <a:solidFill>
@@ -9400,6 +11036,53 @@
           </a:p>
         </p:txBody>
       </p:sp>
+      <p:pic>
+        <p:nvPicPr>
+          <p:cNvPr id="1026" name="Picture 2">
+            <a:extLst>
+              <a:ext uri="{FF2B5EF4-FFF2-40B4-BE49-F238E27FC236}">
+                <a16:creationId xmlns:a16="http://schemas.microsoft.com/office/drawing/2014/main" id="{C4038DDF-B5E5-A8CC-4352-CB2A68FD04FD}"/>
+              </a:ext>
+            </a:extLst>
+          </p:cNvPr>
+          <p:cNvPicPr>
+            <a:picLocks noChangeAspect="1" noChangeArrowheads="1"/>
+          </p:cNvPicPr>
+          <p:nvPr/>
+        </p:nvPicPr>
+        <p:blipFill>
+          <a:blip r:embed="rId4" cstate="print">
+            <a:extLst>
+              <a:ext uri="{28A0092B-C50C-407E-A947-70E740481C1C}">
+                <a14:useLocalDpi xmlns:a14="http://schemas.microsoft.com/office/drawing/2010/main" val="0"/>
+              </a:ext>
+            </a:extLst>
+          </a:blip>
+          <a:srcRect/>
+          <a:stretch>
+            <a:fillRect/>
+          </a:stretch>
+        </p:blipFill>
+        <p:spPr bwMode="auto">
+          <a:xfrm>
+            <a:off x="4499992" y="396788"/>
+            <a:ext cx="962868" cy="1055198"/>
+          </a:xfrm>
+          <a:prstGeom prst="rect">
+            <a:avLst/>
+          </a:prstGeom>
+          <a:noFill/>
+          <a:extLst>
+            <a:ext uri="{909E8E84-426E-40DD-AFC4-6F175D3DCCD1}">
+              <a14:hiddenFill xmlns:a14="http://schemas.microsoft.com/office/drawing/2010/main">
+                <a:solidFill>
+                  <a:srgbClr val="FFFFFF"/>
+                </a:solidFill>
+              </a14:hiddenFill>
+            </a:ext>
+          </a:extLst>
+        </p:spPr>
+      </p:pic>
       <p:sp>
         <p:nvSpPr>
           <p:cNvPr id="7" name="TextBox 6">
@@ -9434,14 +11117,41 @@
               </a:lnSpc>
             </a:pPr>
             <a:r>
-              <a:rPr lang="en-GB" sz="2000" b="1" dirty="0">
+              <a:rPr lang="en-GB" sz="2000" dirty="0">
                 <a:solidFill>
                   <a:schemeClr val="bg1"/>
                 </a:solidFill>
               </a:rPr>
-              <a:t>Community detection of the most central products.</a:t>
-            </a:r>
-            <a:endParaRPr lang="fr-CH" sz="2000" b="1" dirty="0">
+              <a:t>Find the most popular products by connecting them to their similar ones.</a:t>
+            </a:r>
+          </a:p>
+          <a:p>
+            <a:pPr>
+              <a:lnSpc>
+                <a:spcPts val="2700"/>
+              </a:lnSpc>
+            </a:pPr>
+            <a:endParaRPr lang="en-GB" sz="2000" dirty="0">
+              <a:solidFill>
+                <a:schemeClr val="bg1"/>
+              </a:solidFill>
+            </a:endParaRPr>
+          </a:p>
+          <a:p>
+            <a:pPr>
+              <a:lnSpc>
+                <a:spcPts val="2700"/>
+              </a:lnSpc>
+            </a:pPr>
+            <a:r>
+              <a:rPr lang="en-GB" sz="2000" dirty="0">
+                <a:solidFill>
+                  <a:schemeClr val="bg1"/>
+                </a:solidFill>
+              </a:rPr>
+              <a:t>Compare with sales and/or reviews</a:t>
+            </a:r>
+            <a:endParaRPr lang="fr-CH" sz="2000" dirty="0">
               <a:solidFill>
                 <a:schemeClr val="bg1"/>
               </a:solidFill>
@@ -9454,7 +11164,7 @@
           <p:cNvPr id="3" name="Picture 2" descr="Amazon logo (png symbol icon) orange">
             <a:extLst>
               <a:ext uri="{FF2B5EF4-FFF2-40B4-BE49-F238E27FC236}">
-                <a16:creationId xmlns:a16="http://schemas.microsoft.com/office/drawing/2014/main" id="{6A0A1E57-902A-C7B2-B2F1-AC4BD3DAB4DF}"/>
+                <a16:creationId xmlns:a16="http://schemas.microsoft.com/office/drawing/2014/main" id="{7CB8D8D6-24C5-C59D-F67B-6F14432C81F1}"/>
               </a:ext>
             </a:extLst>
           </p:cNvPr>
@@ -9464,7 +11174,7 @@
           <p:nvPr/>
         </p:nvPicPr>
         <p:blipFill>
-          <a:blip r:embed="rId4" cstate="print">
+          <a:blip r:embed="rId5" cstate="print">
             <a:extLst>
               <a:ext uri="{28A0092B-C50C-407E-A947-70E740481C1C}">
                 <a14:useLocalDpi xmlns:a14="http://schemas.microsoft.com/office/drawing/2010/main" val="0"/>
@@ -9497,11 +11207,6 @@
         </p:spPr>
       </p:pic>
     </p:spTree>
-    <p:extLst>
-      <p:ext uri="{BB962C8B-B14F-4D97-AF65-F5344CB8AC3E}">
-        <p14:creationId xmlns:p14="http://schemas.microsoft.com/office/powerpoint/2010/main" val="4287698168"/>
-      </p:ext>
-    </p:extLst>
   </p:cSld>
   <p:clrMapOvr>
     <a:masterClrMapping/>
@@ -9584,7 +11289,55 @@
                   <a:schemeClr val="bg1"/>
                 </a:solidFill>
               </a:rPr>
-              <a:t>questions</a:t>
+              <a:t>Component</a:t>
+            </a:r>
+            <a:r>
+              <a:rPr lang="de-CH" dirty="0">
+                <a:solidFill>
+                  <a:schemeClr val="bg1"/>
+                </a:solidFill>
+              </a:rPr>
+              <a:t> </a:t>
+            </a:r>
+            <a:r>
+              <a:rPr lang="de-CH" dirty="0" err="1">
+                <a:solidFill>
+                  <a:schemeClr val="bg1"/>
+                </a:solidFill>
+              </a:rPr>
+              <a:t>of</a:t>
+            </a:r>
+            <a:r>
+              <a:rPr lang="de-CH" dirty="0">
+                <a:solidFill>
+                  <a:schemeClr val="bg1"/>
+                </a:solidFill>
+              </a:rPr>
+              <a:t> </a:t>
+            </a:r>
+            <a:r>
+              <a:rPr lang="de-CH" dirty="0" err="1">
+                <a:solidFill>
+                  <a:schemeClr val="bg1"/>
+                </a:solidFill>
+              </a:rPr>
+              <a:t>the</a:t>
+            </a:r>
+            <a:r>
+              <a:rPr lang="de-CH" dirty="0">
+                <a:solidFill>
+                  <a:schemeClr val="bg1"/>
+                </a:solidFill>
+              </a:rPr>
+              <a:t> </a:t>
+            </a:r>
+            <a:r>
+              <a:rPr lang="de-CH" dirty="0" err="1">
+                <a:solidFill>
+                  <a:schemeClr val="bg1"/>
+                </a:solidFill>
+              </a:rPr>
+              <a:t>project</a:t>
             </a:r>
             <a:endParaRPr lang="de-CH" dirty="0">
               <a:solidFill>
@@ -9594,12 +11347,131 @@
           </a:p>
         </p:txBody>
       </p:sp>
+      <p:sp>
+        <p:nvSpPr>
+          <p:cNvPr id="7" name="TextBox 6">
+            <a:extLst>
+              <a:ext uri="{FF2B5EF4-FFF2-40B4-BE49-F238E27FC236}">
+                <a16:creationId xmlns:a16="http://schemas.microsoft.com/office/drawing/2014/main" id="{EC23AD5B-C7A9-C182-FAA2-1D4D1E02A3D7}"/>
+              </a:ext>
+            </a:extLst>
+          </p:cNvPr>
+          <p:cNvSpPr txBox="1"/>
+          <p:nvPr/>
+        </p:nvSpPr>
+        <p:spPr>
+          <a:xfrm>
+            <a:off x="215900" y="1848372"/>
+            <a:ext cx="8712200" cy="2088232"/>
+          </a:xfrm>
+          <a:prstGeom prst="rect">
+            <a:avLst/>
+          </a:prstGeom>
+          <a:noFill/>
+        </p:spPr>
+        <p:txBody>
+          <a:bodyPr wrap="none" lIns="0" tIns="0" rIns="0" bIns="0" rtlCol="0">
+            <a:noAutofit/>
+          </a:bodyPr>
+          <a:lstStyle/>
+          <a:p>
+            <a:pPr marL="342900" indent="-342900">
+              <a:lnSpc>
+                <a:spcPts val="2700"/>
+              </a:lnSpc>
+              <a:buFont typeface="Arial" panose="020B0604020202020204" pitchFamily="34" charset="0"/>
+              <a:buChar char="•"/>
+            </a:pPr>
+            <a:r>
+              <a:rPr lang="en-GB" sz="2000" b="1" dirty="0">
+                <a:solidFill>
+                  <a:schemeClr val="bg1"/>
+                </a:solidFill>
+              </a:rPr>
+              <a:t>Community detection</a:t>
+            </a:r>
+          </a:p>
+          <a:p>
+            <a:pPr marL="342900" indent="-342900">
+              <a:lnSpc>
+                <a:spcPts val="2700"/>
+              </a:lnSpc>
+              <a:buFont typeface="Arial" panose="020B0604020202020204" pitchFamily="34" charset="0"/>
+              <a:buChar char="•"/>
+            </a:pPr>
+            <a:r>
+              <a:rPr lang="en-GB" sz="2000" dirty="0">
+                <a:solidFill>
+                  <a:schemeClr val="bg1"/>
+                </a:solidFill>
+              </a:rPr>
+              <a:t>Network exploration</a:t>
+            </a:r>
+          </a:p>
+          <a:p>
+            <a:pPr marL="342900" indent="-342900">
+              <a:lnSpc>
+                <a:spcPts val="2700"/>
+              </a:lnSpc>
+              <a:buFont typeface="Arial" panose="020B0604020202020204" pitchFamily="34" charset="0"/>
+              <a:buChar char="•"/>
+            </a:pPr>
+            <a:r>
+              <a:rPr lang="en-GB" sz="2000" dirty="0">
+                <a:solidFill>
+                  <a:schemeClr val="bg1"/>
+                </a:solidFill>
+              </a:rPr>
+              <a:t>Network visualization</a:t>
+            </a:r>
+          </a:p>
+          <a:p>
+            <a:pPr marL="342900" indent="-342900">
+              <a:lnSpc>
+                <a:spcPts val="2700"/>
+              </a:lnSpc>
+              <a:buFont typeface="Arial" panose="020B0604020202020204" pitchFamily="34" charset="0"/>
+              <a:buChar char="•"/>
+            </a:pPr>
+            <a:r>
+              <a:rPr lang="en-GB" sz="2000" dirty="0">
+                <a:solidFill>
+                  <a:schemeClr val="bg1"/>
+                </a:solidFill>
+              </a:rPr>
+              <a:t>Graph persistence</a:t>
+            </a:r>
+          </a:p>
+          <a:p>
+            <a:pPr marL="342900" indent="-342900">
+              <a:lnSpc>
+                <a:spcPts val="2700"/>
+              </a:lnSpc>
+              <a:buFont typeface="Arial" panose="020B0604020202020204" pitchFamily="34" charset="0"/>
+              <a:buChar char="•"/>
+            </a:pPr>
+            <a:r>
+              <a:rPr lang="en-GB" sz="2000" dirty="0">
+                <a:solidFill>
+                  <a:schemeClr val="bg1"/>
+                </a:solidFill>
+              </a:rPr>
+              <a:t>Data enrichment</a:t>
+            </a:r>
+            <a:endParaRPr lang="fr-CH" sz="2000" dirty="0">
+              <a:solidFill>
+                <a:schemeClr val="bg1"/>
+              </a:solidFill>
+            </a:endParaRPr>
+          </a:p>
+        </p:txBody>
+      </p:sp>
       <p:pic>
         <p:nvPicPr>
-          <p:cNvPr id="2050" name="Picture 2">
+          <p:cNvPr id="4" name="Picture 3" descr="Amazon logo (png symbol icon) orange">
             <a:extLst>
               <a:ext uri="{FF2B5EF4-FFF2-40B4-BE49-F238E27FC236}">
-                <a16:creationId xmlns:a16="http://schemas.microsoft.com/office/drawing/2014/main" id="{E7F8C18D-92F3-7566-66DC-74496129EDDE}"/>
+                <a16:creationId xmlns:a16="http://schemas.microsoft.com/office/drawing/2014/main" id="{93205CE4-21FB-ABED-0104-755E863C738F}"/>
               </a:ext>
             </a:extLst>
           </p:cNvPr>
@@ -9609,54 +11481,7 @@
           <p:nvPr/>
         </p:nvPicPr>
         <p:blipFill>
-          <a:blip r:embed="rId4">
-            <a:extLst>
-              <a:ext uri="{28A0092B-C50C-407E-A947-70E740481C1C}">
-                <a14:useLocalDpi xmlns:a14="http://schemas.microsoft.com/office/drawing/2010/main" val="0"/>
-              </a:ext>
-            </a:extLst>
-          </a:blip>
-          <a:srcRect/>
-          <a:stretch>
-            <a:fillRect/>
-          </a:stretch>
-        </p:blipFill>
-        <p:spPr bwMode="auto">
-          <a:xfrm>
-            <a:off x="1763688" y="1196752"/>
-            <a:ext cx="2381250" cy="2381250"/>
-          </a:xfrm>
-          <a:prstGeom prst="rect">
-            <a:avLst/>
-          </a:prstGeom>
-          <a:noFill/>
-          <a:extLst>
-            <a:ext uri="{909E8E84-426E-40DD-AFC4-6F175D3DCCD1}">
-              <a14:hiddenFill xmlns:a14="http://schemas.microsoft.com/office/drawing/2010/main">
-                <a:solidFill>
-                  <a:srgbClr val="FFFFFF"/>
-                </a:solidFill>
-              </a14:hiddenFill>
-            </a:ext>
-          </a:extLst>
-        </p:spPr>
-      </p:pic>
-      <p:pic>
-        <p:nvPicPr>
-          <p:cNvPr id="4" name="Picture 3" descr="Amazon logo (png symbol icon) orange">
-            <a:extLst>
-              <a:ext uri="{FF2B5EF4-FFF2-40B4-BE49-F238E27FC236}">
-                <a16:creationId xmlns:a16="http://schemas.microsoft.com/office/drawing/2014/main" id="{D18160C1-CBF9-BE70-7ABB-6EA324D39A5B}"/>
-              </a:ext>
-            </a:extLst>
-          </p:cNvPr>
-          <p:cNvPicPr>
-            <a:picLocks noChangeAspect="1" noChangeArrowheads="1"/>
-          </p:cNvPicPr>
-          <p:nvPr/>
-        </p:nvPicPr>
-        <p:blipFill>
-          <a:blip r:embed="rId5" cstate="print">
+          <a:blip r:embed="rId4" cstate="print">
             <a:extLst>
               <a:ext uri="{28A0092B-C50C-407E-A947-70E740481C1C}">
                 <a14:useLocalDpi xmlns:a14="http://schemas.microsoft.com/office/drawing/2010/main" val="0"/>
@@ -9691,7 +11516,442 @@
     </p:spTree>
     <p:extLst>
       <p:ext uri="{BB962C8B-B14F-4D97-AF65-F5344CB8AC3E}">
-        <p14:creationId xmlns:p14="http://schemas.microsoft.com/office/powerpoint/2010/main" val="3381030868"/>
+        <p14:creationId xmlns:p14="http://schemas.microsoft.com/office/powerpoint/2010/main" val="3842464269"/>
+      </p:ext>
+    </p:extLst>
+  </p:cSld>
+  <p:clrMapOvr>
+    <a:masterClrMapping/>
+  </p:clrMapOvr>
+</p:sld>
+</file>
+
+<file path=ppt/slides/slide8.xml><?xml version="1.0" encoding="utf-8"?>
+<p:sld xmlns:a="http://schemas.openxmlformats.org/drawingml/2006/main" xmlns:r="http://schemas.openxmlformats.org/officeDocument/2006/relationships" xmlns:p="http://schemas.openxmlformats.org/presentationml/2006/main">
+  <p:cSld>
+    <p:spTree>
+      <p:nvGrpSpPr>
+        <p:cNvPr id="1" name=""/>
+        <p:cNvGrpSpPr/>
+        <p:nvPr/>
+      </p:nvGrpSpPr>
+      <p:grpSpPr>
+        <a:xfrm>
+          <a:off x="0" y="0"/>
+          <a:ext cx="0" cy="0"/>
+          <a:chOff x="0" y="0"/>
+          <a:chExt cx="0" cy="0"/>
+        </a:xfrm>
+      </p:grpSpPr>
+      <p:pic>
+        <p:nvPicPr>
+          <p:cNvPr id="13" name="Picture 12">
+            <a:extLst>
+              <a:ext uri="{FF2B5EF4-FFF2-40B4-BE49-F238E27FC236}">
+                <a16:creationId xmlns:a16="http://schemas.microsoft.com/office/drawing/2014/main" id="{FC259EED-BFA0-E7C1-BA03-66254FE5FFE0}"/>
+              </a:ext>
+            </a:extLst>
+          </p:cNvPr>
+          <p:cNvPicPr>
+            <a:picLocks noChangeAspect="1"/>
+          </p:cNvPicPr>
+          <p:nvPr/>
+        </p:nvPicPr>
+        <p:blipFill>
+          <a:blip r:embed="rId3"/>
+          <a:stretch>
+            <a:fillRect/>
+          </a:stretch>
+        </p:blipFill>
+        <p:spPr>
+          <a:xfrm>
+            <a:off x="-180528" y="-2499356"/>
+            <a:ext cx="9361040" cy="8736668"/>
+          </a:xfrm>
+          <a:prstGeom prst="rect">
+            <a:avLst/>
+          </a:prstGeom>
+        </p:spPr>
+      </p:pic>
+      <p:sp>
+        <p:nvSpPr>
+          <p:cNvPr id="2" name="Inhaltsplatzhalter 1"/>
+          <p:cNvSpPr>
+            <a:spLocks noGrp="1"/>
+          </p:cNvSpPr>
+          <p:nvPr>
+            <p:ph type="title"/>
+          </p:nvPr>
+        </p:nvSpPr>
+        <p:spPr>
+          <a:xfrm>
+            <a:off x="215900" y="398765"/>
+            <a:ext cx="8712200" cy="673199"/>
+          </a:xfrm>
+        </p:spPr>
+        <p:txBody>
+          <a:bodyPr anchor="t">
+            <a:normAutofit/>
+          </a:bodyPr>
+          <a:lstStyle/>
+          <a:p>
+            <a:r>
+              <a:rPr lang="de-CH" dirty="0">
+                <a:solidFill>
+                  <a:schemeClr val="bg1"/>
+                </a:solidFill>
+              </a:rPr>
+              <a:t>Data </a:t>
+            </a:r>
+            <a:r>
+              <a:rPr lang="de-CH" dirty="0" err="1">
+                <a:solidFill>
+                  <a:schemeClr val="bg1"/>
+                </a:solidFill>
+              </a:rPr>
+              <a:t>description</a:t>
+            </a:r>
+            <a:endParaRPr lang="de-CH" dirty="0">
+              <a:solidFill>
+                <a:schemeClr val="bg1"/>
+              </a:solidFill>
+            </a:endParaRPr>
+          </a:p>
+        </p:txBody>
+      </p:sp>
+      <p:sp>
+        <p:nvSpPr>
+          <p:cNvPr id="7" name="TextBox 6">
+            <a:extLst>
+              <a:ext uri="{FF2B5EF4-FFF2-40B4-BE49-F238E27FC236}">
+                <a16:creationId xmlns:a16="http://schemas.microsoft.com/office/drawing/2014/main" id="{EC23AD5B-C7A9-C182-FAA2-1D4D1E02A3D7}"/>
+              </a:ext>
+            </a:extLst>
+          </p:cNvPr>
+          <p:cNvSpPr txBox="1"/>
+          <p:nvPr/>
+        </p:nvSpPr>
+        <p:spPr>
+          <a:xfrm>
+            <a:off x="215900" y="1848372"/>
+            <a:ext cx="8712200" cy="2088232"/>
+          </a:xfrm>
+          <a:prstGeom prst="rect">
+            <a:avLst/>
+          </a:prstGeom>
+          <a:noFill/>
+        </p:spPr>
+        <p:txBody>
+          <a:bodyPr wrap="none" lIns="0" tIns="0" rIns="0" bIns="0" rtlCol="0">
+            <a:noAutofit/>
+          </a:bodyPr>
+          <a:lstStyle/>
+          <a:p>
+            <a:pPr>
+              <a:lnSpc>
+                <a:spcPts val="2700"/>
+              </a:lnSpc>
+            </a:pPr>
+            <a:r>
+              <a:rPr lang="en-GB" sz="2000" b="1" dirty="0">
+                <a:solidFill>
+                  <a:schemeClr val="bg1"/>
+                </a:solidFill>
+              </a:rPr>
+              <a:t>Node : Products</a:t>
+            </a:r>
+          </a:p>
+          <a:p>
+            <a:pPr>
+              <a:lnSpc>
+                <a:spcPts val="2700"/>
+              </a:lnSpc>
+            </a:pPr>
+            <a:r>
+              <a:rPr lang="en-GB" sz="2000" b="1" dirty="0">
+                <a:solidFill>
+                  <a:schemeClr val="bg1"/>
+                </a:solidFill>
+              </a:rPr>
+              <a:t>Edge : Similar products list</a:t>
+            </a:r>
+            <a:endParaRPr lang="fr-CH" sz="2000" b="1" dirty="0">
+              <a:solidFill>
+                <a:schemeClr val="bg1"/>
+              </a:solidFill>
+            </a:endParaRPr>
+          </a:p>
+        </p:txBody>
+      </p:sp>
+      <p:pic>
+        <p:nvPicPr>
+          <p:cNvPr id="4" name="Picture 3" descr="Amazon logo (png symbol icon) orange">
+            <a:extLst>
+              <a:ext uri="{FF2B5EF4-FFF2-40B4-BE49-F238E27FC236}">
+                <a16:creationId xmlns:a16="http://schemas.microsoft.com/office/drawing/2014/main" id="{63605357-D841-638E-8AAA-113412588428}"/>
+              </a:ext>
+            </a:extLst>
+          </p:cNvPr>
+          <p:cNvPicPr>
+            <a:picLocks noChangeAspect="1" noChangeArrowheads="1"/>
+          </p:cNvPicPr>
+          <p:nvPr/>
+        </p:nvPicPr>
+        <p:blipFill>
+          <a:blip r:embed="rId4" cstate="print">
+            <a:extLst>
+              <a:ext uri="{28A0092B-C50C-407E-A947-70E740481C1C}">
+                <a14:useLocalDpi xmlns:a14="http://schemas.microsoft.com/office/drawing/2010/main" val="0"/>
+              </a:ext>
+            </a:extLst>
+          </a:blip>
+          <a:srcRect/>
+          <a:stretch>
+            <a:fillRect/>
+          </a:stretch>
+        </p:blipFill>
+        <p:spPr bwMode="auto">
+          <a:xfrm>
+            <a:off x="107504" y="4581128"/>
+            <a:ext cx="1502296" cy="1502296"/>
+          </a:xfrm>
+          <a:prstGeom prst="rect">
+            <a:avLst/>
+          </a:prstGeom>
+          <a:noFill/>
+          <a:extLst>
+            <a:ext uri="{909E8E84-426E-40DD-AFC4-6F175D3DCCD1}">
+              <a14:hiddenFill xmlns:a14="http://schemas.microsoft.com/office/drawing/2010/main">
+                <a:solidFill>
+                  <a:srgbClr val="FFFFFF"/>
+                </a:solidFill>
+              </a14:hiddenFill>
+            </a:ext>
+          </a:extLst>
+        </p:spPr>
+      </p:pic>
+    </p:spTree>
+    <p:extLst>
+      <p:ext uri="{BB962C8B-B14F-4D97-AF65-F5344CB8AC3E}">
+        <p14:creationId xmlns:p14="http://schemas.microsoft.com/office/powerpoint/2010/main" val="2780644833"/>
+      </p:ext>
+    </p:extLst>
+  </p:cSld>
+  <p:clrMapOvr>
+    <a:masterClrMapping/>
+  </p:clrMapOvr>
+</p:sld>
+</file>
+
+<file path=ppt/slides/slide9.xml><?xml version="1.0" encoding="utf-8"?>
+<p:sld xmlns:a="http://schemas.openxmlformats.org/drawingml/2006/main" xmlns:r="http://schemas.openxmlformats.org/officeDocument/2006/relationships" xmlns:p="http://schemas.openxmlformats.org/presentationml/2006/main">
+  <p:cSld>
+    <p:spTree>
+      <p:nvGrpSpPr>
+        <p:cNvPr id="1" name=""/>
+        <p:cNvGrpSpPr/>
+        <p:nvPr/>
+      </p:nvGrpSpPr>
+      <p:grpSpPr>
+        <a:xfrm>
+          <a:off x="0" y="0"/>
+          <a:ext cx="0" cy="0"/>
+          <a:chOff x="0" y="0"/>
+          <a:chExt cx="0" cy="0"/>
+        </a:xfrm>
+      </p:grpSpPr>
+      <p:pic>
+        <p:nvPicPr>
+          <p:cNvPr id="13" name="Picture 12">
+            <a:extLst>
+              <a:ext uri="{FF2B5EF4-FFF2-40B4-BE49-F238E27FC236}">
+                <a16:creationId xmlns:a16="http://schemas.microsoft.com/office/drawing/2014/main" id="{FC259EED-BFA0-E7C1-BA03-66254FE5FFE0}"/>
+              </a:ext>
+            </a:extLst>
+          </p:cNvPr>
+          <p:cNvPicPr>
+            <a:picLocks noChangeAspect="1"/>
+          </p:cNvPicPr>
+          <p:nvPr/>
+        </p:nvPicPr>
+        <p:blipFill>
+          <a:blip r:embed="rId3"/>
+          <a:stretch>
+            <a:fillRect/>
+          </a:stretch>
+        </p:blipFill>
+        <p:spPr>
+          <a:xfrm>
+            <a:off x="-180528" y="-2499356"/>
+            <a:ext cx="9361040" cy="8736668"/>
+          </a:xfrm>
+          <a:prstGeom prst="rect">
+            <a:avLst/>
+          </a:prstGeom>
+        </p:spPr>
+      </p:pic>
+      <p:sp>
+        <p:nvSpPr>
+          <p:cNvPr id="2" name="Inhaltsplatzhalter 1"/>
+          <p:cNvSpPr>
+            <a:spLocks noGrp="1"/>
+          </p:cNvSpPr>
+          <p:nvPr>
+            <p:ph type="title"/>
+          </p:nvPr>
+        </p:nvSpPr>
+        <p:spPr>
+          <a:xfrm>
+            <a:off x="215900" y="398765"/>
+            <a:ext cx="8712200" cy="673199"/>
+          </a:xfrm>
+        </p:spPr>
+        <p:txBody>
+          <a:bodyPr anchor="t">
+            <a:normAutofit/>
+          </a:bodyPr>
+          <a:lstStyle/>
+          <a:p>
+            <a:r>
+              <a:rPr lang="de-CH" dirty="0">
+                <a:solidFill>
+                  <a:schemeClr val="bg1"/>
+                </a:solidFill>
+              </a:rPr>
+              <a:t>Type </a:t>
+            </a:r>
+            <a:r>
+              <a:rPr lang="de-CH" dirty="0" err="1">
+                <a:solidFill>
+                  <a:schemeClr val="bg1"/>
+                </a:solidFill>
+              </a:rPr>
+              <a:t>of</a:t>
+            </a:r>
+            <a:r>
+              <a:rPr lang="de-CH" dirty="0">
+                <a:solidFill>
+                  <a:schemeClr val="bg1"/>
+                </a:solidFill>
+              </a:rPr>
+              <a:t> </a:t>
+            </a:r>
+            <a:r>
+              <a:rPr lang="de-CH" dirty="0" err="1">
+                <a:solidFill>
+                  <a:schemeClr val="bg1"/>
+                </a:solidFill>
+              </a:rPr>
+              <a:t>analytics</a:t>
+            </a:r>
+            <a:endParaRPr lang="de-CH" dirty="0">
+              <a:solidFill>
+                <a:schemeClr val="bg1"/>
+              </a:solidFill>
+            </a:endParaRPr>
+          </a:p>
+        </p:txBody>
+      </p:sp>
+      <p:sp>
+        <p:nvSpPr>
+          <p:cNvPr id="7" name="TextBox 6">
+            <a:extLst>
+              <a:ext uri="{FF2B5EF4-FFF2-40B4-BE49-F238E27FC236}">
+                <a16:creationId xmlns:a16="http://schemas.microsoft.com/office/drawing/2014/main" id="{EC23AD5B-C7A9-C182-FAA2-1D4D1E02A3D7}"/>
+              </a:ext>
+            </a:extLst>
+          </p:cNvPr>
+          <p:cNvSpPr txBox="1"/>
+          <p:nvPr/>
+        </p:nvSpPr>
+        <p:spPr>
+          <a:xfrm>
+            <a:off x="215900" y="1848372"/>
+            <a:ext cx="8712200" cy="2088232"/>
+          </a:xfrm>
+          <a:prstGeom prst="rect">
+            <a:avLst/>
+          </a:prstGeom>
+          <a:noFill/>
+        </p:spPr>
+        <p:txBody>
+          <a:bodyPr wrap="none" lIns="0" tIns="0" rIns="0" bIns="0" rtlCol="0">
+            <a:noAutofit/>
+          </a:bodyPr>
+          <a:lstStyle/>
+          <a:p>
+            <a:pPr>
+              <a:lnSpc>
+                <a:spcPts val="2700"/>
+              </a:lnSpc>
+            </a:pPr>
+            <a:r>
+              <a:rPr lang="en-GB" sz="2000" b="1" dirty="0">
+                <a:solidFill>
+                  <a:schemeClr val="bg1"/>
+                </a:solidFill>
+              </a:rPr>
+              <a:t>Community detection of the most central products.</a:t>
+            </a:r>
+            <a:endParaRPr lang="fr-CH" sz="2000" b="1" dirty="0">
+              <a:solidFill>
+                <a:schemeClr val="bg1"/>
+              </a:solidFill>
+            </a:endParaRPr>
+          </a:p>
+        </p:txBody>
+      </p:sp>
+      <p:pic>
+        <p:nvPicPr>
+          <p:cNvPr id="3" name="Picture 2" descr="Amazon logo (png symbol icon) orange">
+            <a:extLst>
+              <a:ext uri="{FF2B5EF4-FFF2-40B4-BE49-F238E27FC236}">
+                <a16:creationId xmlns:a16="http://schemas.microsoft.com/office/drawing/2014/main" id="{6A0A1E57-902A-C7B2-B2F1-AC4BD3DAB4DF}"/>
+              </a:ext>
+            </a:extLst>
+          </p:cNvPr>
+          <p:cNvPicPr>
+            <a:picLocks noChangeAspect="1" noChangeArrowheads="1"/>
+          </p:cNvPicPr>
+          <p:nvPr/>
+        </p:nvPicPr>
+        <p:blipFill>
+          <a:blip r:embed="rId4" cstate="print">
+            <a:extLst>
+              <a:ext uri="{28A0092B-C50C-407E-A947-70E740481C1C}">
+                <a14:useLocalDpi xmlns:a14="http://schemas.microsoft.com/office/drawing/2010/main" val="0"/>
+              </a:ext>
+            </a:extLst>
+          </a:blip>
+          <a:srcRect/>
+          <a:stretch>
+            <a:fillRect/>
+          </a:stretch>
+        </p:blipFill>
+        <p:spPr bwMode="auto">
+          <a:xfrm>
+            <a:off x="107504" y="4581128"/>
+            <a:ext cx="1502296" cy="1502296"/>
+          </a:xfrm>
+          <a:prstGeom prst="rect">
+            <a:avLst/>
+          </a:prstGeom>
+          <a:noFill/>
+          <a:extLst>
+            <a:ext uri="{909E8E84-426E-40DD-AFC4-6F175D3DCCD1}">
+              <a14:hiddenFill xmlns:a14="http://schemas.microsoft.com/office/drawing/2010/main">
+                <a:solidFill>
+                  <a:srgbClr val="FFFFFF"/>
+                </a:solidFill>
+              </a14:hiddenFill>
+            </a:ext>
+          </a:extLst>
+        </p:spPr>
+      </p:pic>
+    </p:spTree>
+    <p:extLst>
+      <p:ext uri="{BB962C8B-B14F-4D97-AF65-F5344CB8AC3E}">
+        <p14:creationId xmlns:p14="http://schemas.microsoft.com/office/powerpoint/2010/main" val="4287698168"/>
       </p:ext>
     </p:extLst>
   </p:cSld>
@@ -10229,4 +12489,299 @@
   <a:objectDefaults/>
   <a:extraClrSchemeLst/>
 </a:theme>
+</file>
+
+<file path=ppt/theme/theme3.xml><?xml version="1.0" encoding="utf-8"?>
+<a:theme xmlns:a="http://schemas.openxmlformats.org/drawingml/2006/main" name="Office Theme">
+  <a:themeElements>
+    <a:clrScheme name="Office">
+      <a:dk1>
+        <a:sysClr val="windowText" lastClr="000000"/>
+      </a:dk1>
+      <a:lt1>
+        <a:sysClr val="window" lastClr="FFFFFF"/>
+      </a:lt1>
+      <a:dk2>
+        <a:srgbClr val="44546A"/>
+      </a:dk2>
+      <a:lt2>
+        <a:srgbClr val="E7E6E6"/>
+      </a:lt2>
+      <a:accent1>
+        <a:srgbClr val="4472C4"/>
+      </a:accent1>
+      <a:accent2>
+        <a:srgbClr val="ED7D31"/>
+      </a:accent2>
+      <a:accent3>
+        <a:srgbClr val="A5A5A5"/>
+      </a:accent3>
+      <a:accent4>
+        <a:srgbClr val="FFC000"/>
+      </a:accent4>
+      <a:accent5>
+        <a:srgbClr val="5B9BD5"/>
+      </a:accent5>
+      <a:accent6>
+        <a:srgbClr val="70AD47"/>
+      </a:accent6>
+      <a:hlink>
+        <a:srgbClr val="0563C1"/>
+      </a:hlink>
+      <a:folHlink>
+        <a:srgbClr val="954F72"/>
+      </a:folHlink>
+    </a:clrScheme>
+    <a:fontScheme name="Office">
+      <a:majorFont>
+        <a:latin typeface="Calibri Light" panose="020F0302020204030204"/>
+        <a:ea typeface=""/>
+        <a:cs typeface=""/>
+        <a:font script="Jpan" typeface="游ゴシック Light"/>
+        <a:font script="Hang" typeface="맑은 고딕"/>
+        <a:font script="Hans" typeface="等线 Light"/>
+        <a:font script="Hant" typeface="新細明體"/>
+        <a:font script="Arab" typeface="Times New Roman"/>
+        <a:font script="Hebr" typeface="Times New Roman"/>
+        <a:font script="Thai" typeface="Angsana New"/>
+        <a:font script="Ethi" typeface="Nyala"/>
+        <a:font script="Beng" typeface="Vrinda"/>
+        <a:font script="Gujr" typeface="Shruti"/>
+        <a:font script="Khmr" typeface="MoolBoran"/>
+        <a:font script="Knda" typeface="Tunga"/>
+        <a:font script="Guru" typeface="Raavi"/>
+        <a:font script="Cans" typeface="Euphemia"/>
+        <a:font script="Cher" typeface="Plantagenet Cherokee"/>
+        <a:font script="Yiii" typeface="Microsoft Yi Baiti"/>
+        <a:font script="Tibt" typeface="Microsoft Himalaya"/>
+        <a:font script="Thaa" typeface="MV Boli"/>
+        <a:font script="Deva" typeface="Mangal"/>
+        <a:font script="Telu" typeface="Gautami"/>
+        <a:font script="Taml" typeface="Latha"/>
+        <a:font script="Syrc" typeface="Estrangelo Edessa"/>
+        <a:font script="Orya" typeface="Kalinga"/>
+        <a:font script="Mlym" typeface="Kartika"/>
+        <a:font script="Laoo" typeface="DokChampa"/>
+        <a:font script="Sinh" typeface="Iskoola Pota"/>
+        <a:font script="Mong" typeface="Mongolian Baiti"/>
+        <a:font script="Viet" typeface="Times New Roman"/>
+        <a:font script="Uigh" typeface="Microsoft Uighur"/>
+        <a:font script="Geor" typeface="Sylfaen"/>
+        <a:font script="Armn" typeface="Arial"/>
+        <a:font script="Bugi" typeface="Leelawadee UI"/>
+        <a:font script="Bopo" typeface="Microsoft JhengHei"/>
+        <a:font script="Java" typeface="Javanese Text"/>
+        <a:font script="Lisu" typeface="Segoe UI"/>
+        <a:font script="Mymr" typeface="Myanmar Text"/>
+        <a:font script="Nkoo" typeface="Ebrima"/>
+        <a:font script="Olck" typeface="Nirmala UI"/>
+        <a:font script="Osma" typeface="Ebrima"/>
+        <a:font script="Phag" typeface="Phagspa"/>
+        <a:font script="Syrn" typeface="Estrangelo Edessa"/>
+        <a:font script="Syrj" typeface="Estrangelo Edessa"/>
+        <a:font script="Syre" typeface="Estrangelo Edessa"/>
+        <a:font script="Sora" typeface="Nirmala UI"/>
+        <a:font script="Tale" typeface="Microsoft Tai Le"/>
+        <a:font script="Talu" typeface="Microsoft New Tai Lue"/>
+        <a:font script="Tfng" typeface="Ebrima"/>
+      </a:majorFont>
+      <a:minorFont>
+        <a:latin typeface="Calibri" panose="020F0502020204030204"/>
+        <a:ea typeface=""/>
+        <a:cs typeface=""/>
+        <a:font script="Jpan" typeface="游ゴシック"/>
+        <a:font script="Hang" typeface="맑은 고딕"/>
+        <a:font script="Hans" typeface="等线"/>
+        <a:font script="Hant" typeface="新細明體"/>
+        <a:font script="Arab" typeface="Arial"/>
+        <a:font script="Hebr" typeface="Arial"/>
+        <a:font script="Thai" typeface="Cordia New"/>
+        <a:font script="Ethi" typeface="Nyala"/>
+        <a:font script="Beng" typeface="Vrinda"/>
+        <a:font script="Gujr" typeface="Shruti"/>
+        <a:font script="Khmr" typeface="DaunPenh"/>
+        <a:font script="Knda" typeface="Tunga"/>
+        <a:font script="Guru" typeface="Raavi"/>
+        <a:font script="Cans" typeface="Euphemia"/>
+        <a:font script="Cher" typeface="Plantagenet Cherokee"/>
+        <a:font script="Yiii" typeface="Microsoft Yi Baiti"/>
+        <a:font script="Tibt" typeface="Microsoft Himalaya"/>
+        <a:font script="Thaa" typeface="MV Boli"/>
+        <a:font script="Deva" typeface="Mangal"/>
+        <a:font script="Telu" typeface="Gautami"/>
+        <a:font script="Taml" typeface="Latha"/>
+        <a:font script="Syrc" typeface="Estrangelo Edessa"/>
+        <a:font script="Orya" typeface="Kalinga"/>
+        <a:font script="Mlym" typeface="Kartika"/>
+        <a:font script="Laoo" typeface="DokChampa"/>
+        <a:font script="Sinh" typeface="Iskoola Pota"/>
+        <a:font script="Mong" typeface="Mongolian Baiti"/>
+        <a:font script="Viet" typeface="Arial"/>
+        <a:font script="Uigh" typeface="Microsoft Uighur"/>
+        <a:font script="Geor" typeface="Sylfaen"/>
+        <a:font script="Armn" typeface="Arial"/>
+        <a:font script="Bugi" typeface="Leelawadee UI"/>
+        <a:font script="Bopo" typeface="Microsoft JhengHei"/>
+        <a:font script="Java" typeface="Javanese Text"/>
+        <a:font script="Lisu" typeface="Segoe UI"/>
+        <a:font script="Mymr" typeface="Myanmar Text"/>
+        <a:font script="Nkoo" typeface="Ebrima"/>
+        <a:font script="Olck" typeface="Nirmala UI"/>
+        <a:font script="Osma" typeface="Ebrima"/>
+        <a:font script="Phag" typeface="Phagspa"/>
+        <a:font script="Syrn" typeface="Estrangelo Edessa"/>
+        <a:font script="Syrj" typeface="Estrangelo Edessa"/>
+        <a:font script="Syre" typeface="Estrangelo Edessa"/>
+        <a:font script="Sora" typeface="Nirmala UI"/>
+        <a:font script="Tale" typeface="Microsoft Tai Le"/>
+        <a:font script="Talu" typeface="Microsoft New Tai Lue"/>
+        <a:font script="Tfng" typeface="Ebrima"/>
+      </a:minorFont>
+    </a:fontScheme>
+    <a:fmtScheme name="Office">
+      <a:fillStyleLst>
+        <a:solidFill>
+          <a:schemeClr val="phClr"/>
+        </a:solidFill>
+        <a:gradFill rotWithShape="1">
+          <a:gsLst>
+            <a:gs pos="0">
+              <a:schemeClr val="phClr">
+                <a:lumMod val="110000"/>
+                <a:satMod val="105000"/>
+                <a:tint val="67000"/>
+              </a:schemeClr>
+            </a:gs>
+            <a:gs pos="50000">
+              <a:schemeClr val="phClr">
+                <a:lumMod val="105000"/>
+                <a:satMod val="103000"/>
+                <a:tint val="73000"/>
+              </a:schemeClr>
+            </a:gs>
+            <a:gs pos="100000">
+              <a:schemeClr val="phClr">
+                <a:lumMod val="105000"/>
+                <a:satMod val="109000"/>
+                <a:tint val="81000"/>
+              </a:schemeClr>
+            </a:gs>
+          </a:gsLst>
+          <a:lin ang="5400000" scaled="0"/>
+        </a:gradFill>
+        <a:gradFill rotWithShape="1">
+          <a:gsLst>
+            <a:gs pos="0">
+              <a:schemeClr val="phClr">
+                <a:satMod val="103000"/>
+                <a:lumMod val="102000"/>
+                <a:tint val="94000"/>
+              </a:schemeClr>
+            </a:gs>
+            <a:gs pos="50000">
+              <a:schemeClr val="phClr">
+                <a:satMod val="110000"/>
+                <a:lumMod val="100000"/>
+                <a:shade val="100000"/>
+              </a:schemeClr>
+            </a:gs>
+            <a:gs pos="100000">
+              <a:schemeClr val="phClr">
+                <a:lumMod val="99000"/>
+                <a:satMod val="120000"/>
+                <a:shade val="78000"/>
+              </a:schemeClr>
+            </a:gs>
+          </a:gsLst>
+          <a:lin ang="5400000" scaled="0"/>
+        </a:gradFill>
+      </a:fillStyleLst>
+      <a:lnStyleLst>
+        <a:ln w="6350" cap="flat" cmpd="sng" algn="ctr">
+          <a:solidFill>
+            <a:schemeClr val="phClr"/>
+          </a:solidFill>
+          <a:prstDash val="solid"/>
+          <a:miter lim="800000"/>
+        </a:ln>
+        <a:ln w="12700" cap="flat" cmpd="sng" algn="ctr">
+          <a:solidFill>
+            <a:schemeClr val="phClr"/>
+          </a:solidFill>
+          <a:prstDash val="solid"/>
+          <a:miter lim="800000"/>
+        </a:ln>
+        <a:ln w="19050" cap="flat" cmpd="sng" algn="ctr">
+          <a:solidFill>
+            <a:schemeClr val="phClr"/>
+          </a:solidFill>
+          <a:prstDash val="solid"/>
+          <a:miter lim="800000"/>
+        </a:ln>
+      </a:lnStyleLst>
+      <a:effectStyleLst>
+        <a:effectStyle>
+          <a:effectLst/>
+        </a:effectStyle>
+        <a:effectStyle>
+          <a:effectLst/>
+        </a:effectStyle>
+        <a:effectStyle>
+          <a:effectLst>
+            <a:outerShdw blurRad="57150" dist="19050" dir="5400000" algn="ctr" rotWithShape="0">
+              <a:srgbClr val="000000">
+                <a:alpha val="63000"/>
+              </a:srgbClr>
+            </a:outerShdw>
+          </a:effectLst>
+        </a:effectStyle>
+      </a:effectStyleLst>
+      <a:bgFillStyleLst>
+        <a:solidFill>
+          <a:schemeClr val="phClr"/>
+        </a:solidFill>
+        <a:solidFill>
+          <a:schemeClr val="phClr">
+            <a:tint val="95000"/>
+            <a:satMod val="170000"/>
+          </a:schemeClr>
+        </a:solidFill>
+        <a:gradFill rotWithShape="1">
+          <a:gsLst>
+            <a:gs pos="0">
+              <a:schemeClr val="phClr">
+                <a:tint val="93000"/>
+                <a:satMod val="150000"/>
+                <a:shade val="98000"/>
+                <a:lumMod val="102000"/>
+              </a:schemeClr>
+            </a:gs>
+            <a:gs pos="50000">
+              <a:schemeClr val="phClr">
+                <a:tint val="98000"/>
+                <a:satMod val="130000"/>
+                <a:shade val="90000"/>
+                <a:lumMod val="103000"/>
+              </a:schemeClr>
+            </a:gs>
+            <a:gs pos="100000">
+              <a:schemeClr val="phClr">
+                <a:shade val="63000"/>
+                <a:satMod val="120000"/>
+              </a:schemeClr>
+            </a:gs>
+          </a:gsLst>
+          <a:lin ang="5400000" scaled="0"/>
+        </a:gradFill>
+      </a:bgFillStyleLst>
+    </a:fmtScheme>
+  </a:themeElements>
+  <a:objectDefaults/>
+  <a:extraClrSchemeLst/>
+  <a:extLst>
+    <a:ext uri="{05A4C25C-085E-4340-85A3-A5531E510DB2}">
+      <thm15:themeFamily xmlns:thm15="http://schemas.microsoft.com/office/thememl/2012/main" name="Office Theme" id="{62F939B6-93AF-4DB8-9C6B-D6C7DFDC589F}" vid="{4A3C46E8-61CC-4603-A589-7422A47A8E4A}"/>
+    </a:ext>
+  </a:extLst>
+</a:theme>
 </file>